--- a/slide1.pptx
+++ b/slide1.pptx
@@ -7,6 +7,7 @@
   <p:sldIdLst>
     <p:sldId id="256" r:id="rId7"/>
     <p:sldId id="257" r:id="rId8"/>
+    <p:sldId id="258" r:id="rId9"/>
   </p:sldIdLst>
   <p:sldSz cx="9144000" cy="6858000" type="screen4x3"/>
   <p:notesSz cx="6858000" cy="9144000"/>
@@ -3191,6 +3192,66 @@
           </a:p>
           <a:p>
             <a:pPr/>
+            <a:r>
+              <a:t> i built it</a:t>
+            </a:r>
+          </a:p>
+        </p:txBody>
+      </p:sp>
+    </p:spTree>
+  </p:cSld>
+  <p:clrMapOvr>
+    <a:masterClrMapping/>
+  </p:clrMapOvr>
+</p:sld>
+</file>
+
+<file path=ppt/slides/slide3.xml><?xml version="1.0" encoding="utf-8"?>
+<p:sld xmlns:a="http://schemas.openxmlformats.org/drawingml/2006/main" xmlns:p="http://schemas.openxmlformats.org/presentationml/2006/main" xmlns:r="http://schemas.openxmlformats.org/officeDocument/2006/relationships">
+  <p:cSld>
+    <p:spTree>
+      <p:nvGrpSpPr>
+        <p:cNvPr id="1" name=""/>
+        <p:cNvGrpSpPr/>
+        <p:nvPr/>
+      </p:nvGrpSpPr>
+      <p:grpSpPr/>
+      <p:sp>
+        <p:nvSpPr>
+          <p:cNvPr id="2" name="Title 1"/>
+          <p:cNvSpPr>
+            <a:spLocks noGrp="1"/>
+          </p:cNvSpPr>
+          <p:nvPr>
+            <p:ph type="title"/>
+          </p:nvPr>
+        </p:nvSpPr>
+        <p:spPr/>
+        <p:txBody>
+          <a:bodyPr/>
+          <a:lstStyle/>
+          <a:p>
+            <a:r>
+              <a:t>Introduction</a:t>
+            </a:r>
+          </a:p>
+        </p:txBody>
+      </p:sp>
+      <p:sp>
+        <p:nvSpPr>
+          <p:cNvPr id="3" name="Content Placeholder 2"/>
+          <p:cNvSpPr>
+            <a:spLocks noGrp="1"/>
+          </p:cNvSpPr>
+          <p:nvPr>
+            <p:ph idx="1"/>
+          </p:nvPr>
+        </p:nvSpPr>
+        <p:spPr/>
+        <p:txBody>
+          <a:bodyPr/>
+          <a:lstStyle/>
+          <a:p>
             <a:r>
               <a:t> what is this tool</a:t>
             </a:r>

--- a/slide1.pptx
+++ b/slide1.pptx
@@ -8,6 +8,13 @@
     <p:sldId id="256" r:id="rId7"/>
     <p:sldId id="257" r:id="rId8"/>
     <p:sldId id="258" r:id="rId9"/>
+    <p:sldId id="259" r:id="rId10"/>
+    <p:sldId id="260" r:id="rId11"/>
+    <p:sldId id="261" r:id="rId12"/>
+    <p:sldId id="262" r:id="rId13"/>
+    <p:sldId id="263" r:id="rId14"/>
+    <p:sldId id="264" r:id="rId15"/>
+    <p:sldId id="265" r:id="rId16"/>
   </p:sldIdLst>
   <p:sldSz cx="9144000" cy="6858000" type="screen4x3"/>
   <p:notesSz cx="6858000" cy="9144000"/>
@@ -3127,7 +3134,67 @@
           <a:lstStyle/>
           <a:p>
             <a:r>
-              <a:t>Neel Adwani</a:t>
+              <a:t>neel adwani</a:t>
+            </a:r>
+          </a:p>
+        </p:txBody>
+      </p:sp>
+    </p:spTree>
+  </p:cSld>
+  <p:clrMapOvr>
+    <a:masterClrMapping/>
+  </p:clrMapOvr>
+</p:sld>
+</file>
+
+<file path=ppt/slides/slide10.xml><?xml version="1.0" encoding="utf-8"?>
+<p:sld xmlns:a="http://schemas.openxmlformats.org/drawingml/2006/main" xmlns:p="http://schemas.openxmlformats.org/presentationml/2006/main" xmlns:r="http://schemas.openxmlformats.org/officeDocument/2006/relationships">
+  <p:cSld>
+    <p:spTree>
+      <p:nvGrpSpPr>
+        <p:cNvPr id="1" name=""/>
+        <p:cNvGrpSpPr/>
+        <p:nvPr/>
+      </p:nvGrpSpPr>
+      <p:grpSpPr/>
+      <p:sp>
+        <p:nvSpPr>
+          <p:cNvPr id="2" name="Title 1"/>
+          <p:cNvSpPr>
+            <a:spLocks noGrp="1"/>
+          </p:cNvSpPr>
+          <p:nvPr>
+            <p:ph type="title"/>
+          </p:nvPr>
+        </p:nvSpPr>
+        <p:spPr/>
+        <p:txBody>
+          <a:bodyPr/>
+          <a:lstStyle/>
+          <a:p>
+            <a:r>
+              <a:t>Ending Note</a:t>
+            </a:r>
+          </a:p>
+        </p:txBody>
+      </p:sp>
+      <p:sp>
+        <p:nvSpPr>
+          <p:cNvPr id="3" name="Content Placeholder 2"/>
+          <p:cNvSpPr>
+            <a:spLocks noGrp="1"/>
+          </p:cNvSpPr>
+          <p:nvPr>
+            <p:ph idx="1"/>
+          </p:nvPr>
+        </p:nvSpPr>
+        <p:spPr/>
+        <p:txBody>
+          <a:bodyPr/>
+          <a:lstStyle/>
+          <a:p>
+            <a:r>
+              <a:t>my name is neel. i built presentquick. which is a tool that summarizes research. it also creates an automated presentation.</a:t>
             </a:r>
           </a:p>
         </p:txBody>
@@ -3187,13 +3254,739 @@
           <a:lstStyle/>
           <a:p>
             <a:r>
-              <a:t> what is this tool</a:t>
-            </a:r>
-          </a:p>
-          <a:p>
-            <a:pPr/>
-            <a:r>
-              <a:t> i built it</a:t>
+              <a:t>m</a:t>
+            </a:r>
+          </a:p>
+          <a:p>
+            <a:pPr/>
+            <a:r>
+              <a:t>y</a:t>
+            </a:r>
+          </a:p>
+          <a:p>
+            <a:pPr/>
+            <a:r>
+              <a:t> </a:t>
+            </a:r>
+          </a:p>
+          <a:p>
+            <a:pPr/>
+            <a:r>
+              <a:t>n</a:t>
+            </a:r>
+          </a:p>
+          <a:p>
+            <a:pPr/>
+            <a:r>
+              <a:t>a</a:t>
+            </a:r>
+          </a:p>
+          <a:p>
+            <a:pPr/>
+            <a:r>
+              <a:t>m</a:t>
+            </a:r>
+          </a:p>
+          <a:p>
+            <a:pPr/>
+            <a:r>
+              <a:t>e</a:t>
+            </a:r>
+          </a:p>
+          <a:p>
+            <a:pPr/>
+            <a:r>
+              <a:t> </a:t>
+            </a:r>
+          </a:p>
+          <a:p>
+            <a:pPr/>
+            <a:r>
+              <a:t>i</a:t>
+            </a:r>
+          </a:p>
+          <a:p>
+            <a:pPr/>
+            <a:r>
+              <a:t>s</a:t>
+            </a:r>
+          </a:p>
+          <a:p>
+            <a:pPr/>
+            <a:r>
+              <a:t> </a:t>
+            </a:r>
+          </a:p>
+          <a:p>
+            <a:pPr/>
+            <a:r>
+              <a:t>n</a:t>
+            </a:r>
+          </a:p>
+          <a:p>
+            <a:pPr/>
+            <a:r>
+              <a:t>e</a:t>
+            </a:r>
+          </a:p>
+          <a:p>
+            <a:pPr/>
+            <a:r>
+              <a:t>e</a:t>
+            </a:r>
+          </a:p>
+          <a:p>
+            <a:pPr/>
+            <a:r>
+              <a:t>l</a:t>
+            </a:r>
+          </a:p>
+          <a:p>
+            <a:pPr/>
+            <a:r>
+              <a:t>.</a:t>
+            </a:r>
+          </a:p>
+          <a:p>
+            <a:pPr/>
+            <a:r>
+              <a:t> </a:t>
+            </a:r>
+          </a:p>
+          <a:p>
+            <a:pPr/>
+            <a:r>
+              <a:t>i</a:t>
+            </a:r>
+          </a:p>
+          <a:p>
+            <a:pPr/>
+            <a:r>
+              <a:t> </a:t>
+            </a:r>
+          </a:p>
+          <a:p>
+            <a:pPr/>
+            <a:r>
+              <a:t>b</a:t>
+            </a:r>
+          </a:p>
+          <a:p>
+            <a:pPr/>
+            <a:r>
+              <a:t>u</a:t>
+            </a:r>
+          </a:p>
+          <a:p>
+            <a:pPr/>
+            <a:r>
+              <a:t>i</a:t>
+            </a:r>
+          </a:p>
+          <a:p>
+            <a:pPr/>
+            <a:r>
+              <a:t>l</a:t>
+            </a:r>
+          </a:p>
+          <a:p>
+            <a:pPr/>
+            <a:r>
+              <a:t>t</a:t>
+            </a:r>
+          </a:p>
+          <a:p>
+            <a:pPr/>
+            <a:r>
+              <a:t> </a:t>
+            </a:r>
+          </a:p>
+          <a:p>
+            <a:pPr/>
+            <a:r>
+              <a:t>p</a:t>
+            </a:r>
+          </a:p>
+          <a:p>
+            <a:pPr/>
+            <a:r>
+              <a:t>r</a:t>
+            </a:r>
+          </a:p>
+          <a:p>
+            <a:pPr/>
+            <a:r>
+              <a:t>e</a:t>
+            </a:r>
+          </a:p>
+          <a:p>
+            <a:pPr/>
+            <a:r>
+              <a:t>s</a:t>
+            </a:r>
+          </a:p>
+          <a:p>
+            <a:pPr/>
+            <a:r>
+              <a:t>e</a:t>
+            </a:r>
+          </a:p>
+          <a:p>
+            <a:pPr/>
+            <a:r>
+              <a:t>n</a:t>
+            </a:r>
+          </a:p>
+          <a:p>
+            <a:pPr/>
+            <a:r>
+              <a:t>t</a:t>
+            </a:r>
+          </a:p>
+          <a:p>
+            <a:pPr/>
+            <a:r>
+              <a:t>q</a:t>
+            </a:r>
+          </a:p>
+          <a:p>
+            <a:pPr/>
+            <a:r>
+              <a:t>u</a:t>
+            </a:r>
+          </a:p>
+          <a:p>
+            <a:pPr/>
+            <a:r>
+              <a:t>i</a:t>
+            </a:r>
+          </a:p>
+          <a:p>
+            <a:pPr/>
+            <a:r>
+              <a:t>c</a:t>
+            </a:r>
+          </a:p>
+          <a:p>
+            <a:pPr/>
+            <a:r>
+              <a:t>k</a:t>
+            </a:r>
+          </a:p>
+          <a:p>
+            <a:pPr/>
+            <a:r>
+              <a:t>.</a:t>
+            </a:r>
+          </a:p>
+          <a:p>
+            <a:pPr/>
+            <a:r>
+              <a:t> </a:t>
+            </a:r>
+          </a:p>
+          <a:p>
+            <a:pPr/>
+            <a:r>
+              <a:t>w</a:t>
+            </a:r>
+          </a:p>
+          <a:p>
+            <a:pPr/>
+            <a:r>
+              <a:t>h</a:t>
+            </a:r>
+          </a:p>
+          <a:p>
+            <a:pPr/>
+            <a:r>
+              <a:t>i</a:t>
+            </a:r>
+          </a:p>
+          <a:p>
+            <a:pPr/>
+            <a:r>
+              <a:t>c</a:t>
+            </a:r>
+          </a:p>
+          <a:p>
+            <a:pPr/>
+            <a:r>
+              <a:t>h</a:t>
+            </a:r>
+          </a:p>
+          <a:p>
+            <a:pPr/>
+            <a:r>
+              <a:t> </a:t>
+            </a:r>
+          </a:p>
+          <a:p>
+            <a:pPr/>
+            <a:r>
+              <a:t>i</a:t>
+            </a:r>
+          </a:p>
+          <a:p>
+            <a:pPr/>
+            <a:r>
+              <a:t>s</a:t>
+            </a:r>
+          </a:p>
+          <a:p>
+            <a:pPr/>
+            <a:r>
+              <a:t> </a:t>
+            </a:r>
+          </a:p>
+          <a:p>
+            <a:pPr/>
+            <a:r>
+              <a:t>a</a:t>
+            </a:r>
+          </a:p>
+          <a:p>
+            <a:pPr/>
+            <a:r>
+              <a:t> </a:t>
+            </a:r>
+          </a:p>
+          <a:p>
+            <a:pPr/>
+            <a:r>
+              <a:t>t</a:t>
+            </a:r>
+          </a:p>
+          <a:p>
+            <a:pPr/>
+            <a:r>
+              <a:t>o</a:t>
+            </a:r>
+          </a:p>
+          <a:p>
+            <a:pPr/>
+            <a:r>
+              <a:t>o</a:t>
+            </a:r>
+          </a:p>
+          <a:p>
+            <a:pPr/>
+            <a:r>
+              <a:t>l</a:t>
+            </a:r>
+          </a:p>
+          <a:p>
+            <a:pPr/>
+            <a:r>
+              <a:t> </a:t>
+            </a:r>
+          </a:p>
+          <a:p>
+            <a:pPr/>
+            <a:r>
+              <a:t>t</a:t>
+            </a:r>
+          </a:p>
+          <a:p>
+            <a:pPr/>
+            <a:r>
+              <a:t>h</a:t>
+            </a:r>
+          </a:p>
+          <a:p>
+            <a:pPr/>
+            <a:r>
+              <a:t>a</a:t>
+            </a:r>
+          </a:p>
+          <a:p>
+            <a:pPr/>
+            <a:r>
+              <a:t>t</a:t>
+            </a:r>
+          </a:p>
+          <a:p>
+            <a:pPr/>
+            <a:r>
+              <a:t> </a:t>
+            </a:r>
+          </a:p>
+          <a:p>
+            <a:pPr/>
+            <a:r>
+              <a:t>s</a:t>
+            </a:r>
+          </a:p>
+          <a:p>
+            <a:pPr/>
+            <a:r>
+              <a:t>u</a:t>
+            </a:r>
+          </a:p>
+          <a:p>
+            <a:pPr/>
+            <a:r>
+              <a:t>m</a:t>
+            </a:r>
+          </a:p>
+          <a:p>
+            <a:pPr/>
+            <a:r>
+              <a:t>m</a:t>
+            </a:r>
+          </a:p>
+          <a:p>
+            <a:pPr/>
+            <a:r>
+              <a:t>a</a:t>
+            </a:r>
+          </a:p>
+          <a:p>
+            <a:pPr/>
+            <a:r>
+              <a:t>r</a:t>
+            </a:r>
+          </a:p>
+          <a:p>
+            <a:pPr/>
+            <a:r>
+              <a:t>i</a:t>
+            </a:r>
+          </a:p>
+          <a:p>
+            <a:pPr/>
+            <a:r>
+              <a:t>z</a:t>
+            </a:r>
+          </a:p>
+          <a:p>
+            <a:pPr/>
+            <a:r>
+              <a:t>e</a:t>
+            </a:r>
+          </a:p>
+          <a:p>
+            <a:pPr/>
+            <a:r>
+              <a:t>s</a:t>
+            </a:r>
+          </a:p>
+          <a:p>
+            <a:pPr/>
+            <a:r>
+              <a:t> </a:t>
+            </a:r>
+          </a:p>
+          <a:p>
+            <a:pPr/>
+            <a:r>
+              <a:t>r</a:t>
+            </a:r>
+          </a:p>
+          <a:p>
+            <a:pPr/>
+            <a:r>
+              <a:t>e</a:t>
+            </a:r>
+          </a:p>
+          <a:p>
+            <a:pPr/>
+            <a:r>
+              <a:t>s</a:t>
+            </a:r>
+          </a:p>
+          <a:p>
+            <a:pPr/>
+            <a:r>
+              <a:t>e</a:t>
+            </a:r>
+          </a:p>
+          <a:p>
+            <a:pPr/>
+            <a:r>
+              <a:t>a</a:t>
+            </a:r>
+          </a:p>
+          <a:p>
+            <a:pPr/>
+            <a:r>
+              <a:t>r</a:t>
+            </a:r>
+          </a:p>
+          <a:p>
+            <a:pPr/>
+            <a:r>
+              <a:t>c</a:t>
+            </a:r>
+          </a:p>
+          <a:p>
+            <a:pPr/>
+            <a:r>
+              <a:t>h</a:t>
+            </a:r>
+          </a:p>
+          <a:p>
+            <a:pPr/>
+            <a:r>
+              <a:t>.</a:t>
+            </a:r>
+          </a:p>
+          <a:p>
+            <a:pPr/>
+            <a:r>
+              <a:t> </a:t>
+            </a:r>
+          </a:p>
+          <a:p>
+            <a:pPr/>
+            <a:r>
+              <a:t>i</a:t>
+            </a:r>
+          </a:p>
+          <a:p>
+            <a:pPr/>
+            <a:r>
+              <a:t>t</a:t>
+            </a:r>
+          </a:p>
+          <a:p>
+            <a:pPr/>
+            <a:r>
+              <a:t> </a:t>
+            </a:r>
+          </a:p>
+          <a:p>
+            <a:pPr/>
+            <a:r>
+              <a:t>a</a:t>
+            </a:r>
+          </a:p>
+          <a:p>
+            <a:pPr/>
+            <a:r>
+              <a:t>l</a:t>
+            </a:r>
+          </a:p>
+          <a:p>
+            <a:pPr/>
+            <a:r>
+              <a:t>s</a:t>
+            </a:r>
+          </a:p>
+          <a:p>
+            <a:pPr/>
+            <a:r>
+              <a:t>o</a:t>
+            </a:r>
+          </a:p>
+          <a:p>
+            <a:pPr/>
+            <a:r>
+              <a:t> </a:t>
+            </a:r>
+          </a:p>
+          <a:p>
+            <a:pPr/>
+            <a:r>
+              <a:t>c</a:t>
+            </a:r>
+          </a:p>
+          <a:p>
+            <a:pPr/>
+            <a:r>
+              <a:t>r</a:t>
+            </a:r>
+          </a:p>
+          <a:p>
+            <a:pPr/>
+            <a:r>
+              <a:t>e</a:t>
+            </a:r>
+          </a:p>
+          <a:p>
+            <a:pPr/>
+            <a:r>
+              <a:t>a</a:t>
+            </a:r>
+          </a:p>
+          <a:p>
+            <a:pPr/>
+            <a:r>
+              <a:t>t</a:t>
+            </a:r>
+          </a:p>
+          <a:p>
+            <a:pPr/>
+            <a:r>
+              <a:t>e</a:t>
+            </a:r>
+          </a:p>
+          <a:p>
+            <a:pPr/>
+            <a:r>
+              <a:t>s</a:t>
+            </a:r>
+          </a:p>
+          <a:p>
+            <a:pPr/>
+            <a:r>
+              <a:t> </a:t>
+            </a:r>
+          </a:p>
+          <a:p>
+            <a:pPr/>
+            <a:r>
+              <a:t>a</a:t>
+            </a:r>
+          </a:p>
+          <a:p>
+            <a:pPr/>
+            <a:r>
+              <a:t>n</a:t>
+            </a:r>
+          </a:p>
+          <a:p>
+            <a:pPr/>
+            <a:r>
+              <a:t> </a:t>
+            </a:r>
+          </a:p>
+          <a:p>
+            <a:pPr/>
+            <a:r>
+              <a:t>a</a:t>
+            </a:r>
+          </a:p>
+          <a:p>
+            <a:pPr/>
+            <a:r>
+              <a:t>u</a:t>
+            </a:r>
+          </a:p>
+          <a:p>
+            <a:pPr/>
+            <a:r>
+              <a:t>t</a:t>
+            </a:r>
+          </a:p>
+          <a:p>
+            <a:pPr/>
+            <a:r>
+              <a:t>o</a:t>
+            </a:r>
+          </a:p>
+          <a:p>
+            <a:pPr/>
+            <a:r>
+              <a:t>m</a:t>
+            </a:r>
+          </a:p>
+          <a:p>
+            <a:pPr/>
+            <a:r>
+              <a:t>a</a:t>
+            </a:r>
+          </a:p>
+          <a:p>
+            <a:pPr/>
+            <a:r>
+              <a:t>t</a:t>
+            </a:r>
+          </a:p>
+          <a:p>
+            <a:pPr/>
+            <a:r>
+              <a:t>e</a:t>
+            </a:r>
+          </a:p>
+          <a:p>
+            <a:pPr/>
+            <a:r>
+              <a:t>d</a:t>
+            </a:r>
+          </a:p>
+          <a:p>
+            <a:pPr/>
+            <a:r>
+              <a:t> </a:t>
+            </a:r>
+          </a:p>
+          <a:p>
+            <a:pPr/>
+            <a:r>
+              <a:t>p</a:t>
+            </a:r>
+          </a:p>
+          <a:p>
+            <a:pPr/>
+            <a:r>
+              <a:t>r</a:t>
+            </a:r>
+          </a:p>
+          <a:p>
+            <a:pPr/>
+            <a:r>
+              <a:t>e</a:t>
+            </a:r>
+          </a:p>
+          <a:p>
+            <a:pPr/>
+            <a:r>
+              <a:t>s</a:t>
+            </a:r>
+          </a:p>
+          <a:p>
+            <a:pPr/>
+            <a:r>
+              <a:t>e</a:t>
+            </a:r>
+          </a:p>
+          <a:p>
+            <a:pPr/>
+            <a:r>
+              <a:t>n</a:t>
+            </a:r>
+          </a:p>
+          <a:p>
+            <a:pPr/>
+            <a:r>
+              <a:t>t</a:t>
+            </a:r>
+          </a:p>
+          <a:p>
+            <a:pPr/>
+            <a:r>
+              <a:t>a</a:t>
+            </a:r>
+          </a:p>
+          <a:p>
+            <a:pPr/>
+            <a:r>
+              <a:t>t</a:t>
+            </a:r>
+          </a:p>
+          <a:p>
+            <a:pPr/>
+            <a:r>
+              <a:t>i</a:t>
+            </a:r>
+          </a:p>
+          <a:p>
+            <a:pPr/>
+            <a:r>
+              <a:t>o</a:t>
+            </a:r>
+          </a:p>
+          <a:p>
+            <a:pPr/>
+            <a:r>
+              <a:t>n</a:t>
+            </a:r>
+          </a:p>
+          <a:p>
+            <a:pPr/>
+            <a:r>
+              <a:t>.</a:t>
             </a:r>
           </a:p>
         </p:txBody>
@@ -3253,13 +4046,4027 @@
           <a:lstStyle/>
           <a:p>
             <a:r>
-              <a:t> what is this tool</a:t>
-            </a:r>
-          </a:p>
-          <a:p>
-            <a:pPr/>
-            <a:r>
-              <a:t> i built it</a:t>
+              <a:t>m</a:t>
+            </a:r>
+          </a:p>
+          <a:p>
+            <a:pPr/>
+            <a:r>
+              <a:t>y</a:t>
+            </a:r>
+          </a:p>
+          <a:p>
+            <a:pPr/>
+            <a:r>
+              <a:t> </a:t>
+            </a:r>
+          </a:p>
+          <a:p>
+            <a:pPr/>
+            <a:r>
+              <a:t>n</a:t>
+            </a:r>
+          </a:p>
+          <a:p>
+            <a:pPr/>
+            <a:r>
+              <a:t>a</a:t>
+            </a:r>
+          </a:p>
+          <a:p>
+            <a:pPr/>
+            <a:r>
+              <a:t>m</a:t>
+            </a:r>
+          </a:p>
+          <a:p>
+            <a:pPr/>
+            <a:r>
+              <a:t>e</a:t>
+            </a:r>
+          </a:p>
+          <a:p>
+            <a:pPr/>
+            <a:r>
+              <a:t> </a:t>
+            </a:r>
+          </a:p>
+          <a:p>
+            <a:pPr/>
+            <a:r>
+              <a:t>i</a:t>
+            </a:r>
+          </a:p>
+          <a:p>
+            <a:pPr/>
+            <a:r>
+              <a:t>s</a:t>
+            </a:r>
+          </a:p>
+          <a:p>
+            <a:pPr/>
+            <a:r>
+              <a:t> </a:t>
+            </a:r>
+          </a:p>
+          <a:p>
+            <a:pPr/>
+            <a:r>
+              <a:t>n</a:t>
+            </a:r>
+          </a:p>
+          <a:p>
+            <a:pPr/>
+            <a:r>
+              <a:t>e</a:t>
+            </a:r>
+          </a:p>
+          <a:p>
+            <a:pPr/>
+            <a:r>
+              <a:t>e</a:t>
+            </a:r>
+          </a:p>
+          <a:p>
+            <a:pPr/>
+            <a:r>
+              <a:t>l</a:t>
+            </a:r>
+          </a:p>
+          <a:p>
+            <a:pPr/>
+            <a:r>
+              <a:t>.</a:t>
+            </a:r>
+          </a:p>
+          <a:p>
+            <a:pPr/>
+            <a:r>
+              <a:t> </a:t>
+            </a:r>
+          </a:p>
+          <a:p>
+            <a:pPr/>
+            <a:r>
+              <a:t>i</a:t>
+            </a:r>
+          </a:p>
+          <a:p>
+            <a:pPr/>
+            <a:r>
+              <a:t> </a:t>
+            </a:r>
+          </a:p>
+          <a:p>
+            <a:pPr/>
+            <a:r>
+              <a:t>b</a:t>
+            </a:r>
+          </a:p>
+          <a:p>
+            <a:pPr/>
+            <a:r>
+              <a:t>u</a:t>
+            </a:r>
+          </a:p>
+          <a:p>
+            <a:pPr/>
+            <a:r>
+              <a:t>i</a:t>
+            </a:r>
+          </a:p>
+          <a:p>
+            <a:pPr/>
+            <a:r>
+              <a:t>l</a:t>
+            </a:r>
+          </a:p>
+          <a:p>
+            <a:pPr/>
+            <a:r>
+              <a:t>t</a:t>
+            </a:r>
+          </a:p>
+          <a:p>
+            <a:pPr/>
+            <a:r>
+              <a:t> </a:t>
+            </a:r>
+          </a:p>
+          <a:p>
+            <a:pPr/>
+            <a:r>
+              <a:t>p</a:t>
+            </a:r>
+          </a:p>
+          <a:p>
+            <a:pPr/>
+            <a:r>
+              <a:t>r</a:t>
+            </a:r>
+          </a:p>
+          <a:p>
+            <a:pPr/>
+            <a:r>
+              <a:t>e</a:t>
+            </a:r>
+          </a:p>
+          <a:p>
+            <a:pPr/>
+            <a:r>
+              <a:t>s</a:t>
+            </a:r>
+          </a:p>
+          <a:p>
+            <a:pPr/>
+            <a:r>
+              <a:t>e</a:t>
+            </a:r>
+          </a:p>
+          <a:p>
+            <a:pPr/>
+            <a:r>
+              <a:t>n</a:t>
+            </a:r>
+          </a:p>
+          <a:p>
+            <a:pPr/>
+            <a:r>
+              <a:t>t</a:t>
+            </a:r>
+          </a:p>
+          <a:p>
+            <a:pPr/>
+            <a:r>
+              <a:t>q</a:t>
+            </a:r>
+          </a:p>
+          <a:p>
+            <a:pPr/>
+            <a:r>
+              <a:t>u</a:t>
+            </a:r>
+          </a:p>
+          <a:p>
+            <a:pPr/>
+            <a:r>
+              <a:t>i</a:t>
+            </a:r>
+          </a:p>
+          <a:p>
+            <a:pPr/>
+            <a:r>
+              <a:t>c</a:t>
+            </a:r>
+          </a:p>
+          <a:p>
+            <a:pPr/>
+            <a:r>
+              <a:t>k</a:t>
+            </a:r>
+          </a:p>
+          <a:p>
+            <a:pPr/>
+            <a:r>
+              <a:t>.</a:t>
+            </a:r>
+          </a:p>
+          <a:p>
+            <a:pPr/>
+            <a:r>
+              <a:t> </a:t>
+            </a:r>
+          </a:p>
+          <a:p>
+            <a:pPr/>
+            <a:r>
+              <a:t>w</a:t>
+            </a:r>
+          </a:p>
+          <a:p>
+            <a:pPr/>
+            <a:r>
+              <a:t>h</a:t>
+            </a:r>
+          </a:p>
+          <a:p>
+            <a:pPr/>
+            <a:r>
+              <a:t>i</a:t>
+            </a:r>
+          </a:p>
+          <a:p>
+            <a:pPr/>
+            <a:r>
+              <a:t>c</a:t>
+            </a:r>
+          </a:p>
+          <a:p>
+            <a:pPr/>
+            <a:r>
+              <a:t>h</a:t>
+            </a:r>
+          </a:p>
+          <a:p>
+            <a:pPr/>
+            <a:r>
+              <a:t> </a:t>
+            </a:r>
+          </a:p>
+          <a:p>
+            <a:pPr/>
+            <a:r>
+              <a:t>i</a:t>
+            </a:r>
+          </a:p>
+          <a:p>
+            <a:pPr/>
+            <a:r>
+              <a:t>s</a:t>
+            </a:r>
+          </a:p>
+          <a:p>
+            <a:pPr/>
+            <a:r>
+              <a:t> </a:t>
+            </a:r>
+          </a:p>
+          <a:p>
+            <a:pPr/>
+            <a:r>
+              <a:t>a</a:t>
+            </a:r>
+          </a:p>
+          <a:p>
+            <a:pPr/>
+            <a:r>
+              <a:t> </a:t>
+            </a:r>
+          </a:p>
+          <a:p>
+            <a:pPr/>
+            <a:r>
+              <a:t>t</a:t>
+            </a:r>
+          </a:p>
+          <a:p>
+            <a:pPr/>
+            <a:r>
+              <a:t>o</a:t>
+            </a:r>
+          </a:p>
+          <a:p>
+            <a:pPr/>
+            <a:r>
+              <a:t>o</a:t>
+            </a:r>
+          </a:p>
+          <a:p>
+            <a:pPr/>
+            <a:r>
+              <a:t>l</a:t>
+            </a:r>
+          </a:p>
+          <a:p>
+            <a:pPr/>
+            <a:r>
+              <a:t> </a:t>
+            </a:r>
+          </a:p>
+          <a:p>
+            <a:pPr/>
+            <a:r>
+              <a:t>t</a:t>
+            </a:r>
+          </a:p>
+          <a:p>
+            <a:pPr/>
+            <a:r>
+              <a:t>h</a:t>
+            </a:r>
+          </a:p>
+          <a:p>
+            <a:pPr/>
+            <a:r>
+              <a:t>a</a:t>
+            </a:r>
+          </a:p>
+          <a:p>
+            <a:pPr/>
+            <a:r>
+              <a:t>t</a:t>
+            </a:r>
+          </a:p>
+          <a:p>
+            <a:pPr/>
+            <a:r>
+              <a:t> </a:t>
+            </a:r>
+          </a:p>
+          <a:p>
+            <a:pPr/>
+            <a:r>
+              <a:t>s</a:t>
+            </a:r>
+          </a:p>
+          <a:p>
+            <a:pPr/>
+            <a:r>
+              <a:t>u</a:t>
+            </a:r>
+          </a:p>
+          <a:p>
+            <a:pPr/>
+            <a:r>
+              <a:t>m</a:t>
+            </a:r>
+          </a:p>
+          <a:p>
+            <a:pPr/>
+            <a:r>
+              <a:t>m</a:t>
+            </a:r>
+          </a:p>
+          <a:p>
+            <a:pPr/>
+            <a:r>
+              <a:t>a</a:t>
+            </a:r>
+          </a:p>
+          <a:p>
+            <a:pPr/>
+            <a:r>
+              <a:t>r</a:t>
+            </a:r>
+          </a:p>
+          <a:p>
+            <a:pPr/>
+            <a:r>
+              <a:t>i</a:t>
+            </a:r>
+          </a:p>
+          <a:p>
+            <a:pPr/>
+            <a:r>
+              <a:t>z</a:t>
+            </a:r>
+          </a:p>
+          <a:p>
+            <a:pPr/>
+            <a:r>
+              <a:t>e</a:t>
+            </a:r>
+          </a:p>
+          <a:p>
+            <a:pPr/>
+            <a:r>
+              <a:t>s</a:t>
+            </a:r>
+          </a:p>
+          <a:p>
+            <a:pPr/>
+            <a:r>
+              <a:t> </a:t>
+            </a:r>
+          </a:p>
+          <a:p>
+            <a:pPr/>
+            <a:r>
+              <a:t>r</a:t>
+            </a:r>
+          </a:p>
+          <a:p>
+            <a:pPr/>
+            <a:r>
+              <a:t>e</a:t>
+            </a:r>
+          </a:p>
+          <a:p>
+            <a:pPr/>
+            <a:r>
+              <a:t>s</a:t>
+            </a:r>
+          </a:p>
+          <a:p>
+            <a:pPr/>
+            <a:r>
+              <a:t>e</a:t>
+            </a:r>
+          </a:p>
+          <a:p>
+            <a:pPr/>
+            <a:r>
+              <a:t>a</a:t>
+            </a:r>
+          </a:p>
+          <a:p>
+            <a:pPr/>
+            <a:r>
+              <a:t>r</a:t>
+            </a:r>
+          </a:p>
+          <a:p>
+            <a:pPr/>
+            <a:r>
+              <a:t>c</a:t>
+            </a:r>
+          </a:p>
+          <a:p>
+            <a:pPr/>
+            <a:r>
+              <a:t>h</a:t>
+            </a:r>
+          </a:p>
+          <a:p>
+            <a:pPr/>
+            <a:r>
+              <a:t>.</a:t>
+            </a:r>
+          </a:p>
+          <a:p>
+            <a:pPr/>
+            <a:r>
+              <a:t> </a:t>
+            </a:r>
+          </a:p>
+          <a:p>
+            <a:pPr/>
+            <a:r>
+              <a:t>i</a:t>
+            </a:r>
+          </a:p>
+          <a:p>
+            <a:pPr/>
+            <a:r>
+              <a:t>t</a:t>
+            </a:r>
+          </a:p>
+          <a:p>
+            <a:pPr/>
+            <a:r>
+              <a:t> </a:t>
+            </a:r>
+          </a:p>
+          <a:p>
+            <a:pPr/>
+            <a:r>
+              <a:t>a</a:t>
+            </a:r>
+          </a:p>
+          <a:p>
+            <a:pPr/>
+            <a:r>
+              <a:t>l</a:t>
+            </a:r>
+          </a:p>
+          <a:p>
+            <a:pPr/>
+            <a:r>
+              <a:t>s</a:t>
+            </a:r>
+          </a:p>
+          <a:p>
+            <a:pPr/>
+            <a:r>
+              <a:t>o</a:t>
+            </a:r>
+          </a:p>
+          <a:p>
+            <a:pPr/>
+            <a:r>
+              <a:t> </a:t>
+            </a:r>
+          </a:p>
+          <a:p>
+            <a:pPr/>
+            <a:r>
+              <a:t>c</a:t>
+            </a:r>
+          </a:p>
+          <a:p>
+            <a:pPr/>
+            <a:r>
+              <a:t>r</a:t>
+            </a:r>
+          </a:p>
+          <a:p>
+            <a:pPr/>
+            <a:r>
+              <a:t>e</a:t>
+            </a:r>
+          </a:p>
+          <a:p>
+            <a:pPr/>
+            <a:r>
+              <a:t>a</a:t>
+            </a:r>
+          </a:p>
+          <a:p>
+            <a:pPr/>
+            <a:r>
+              <a:t>t</a:t>
+            </a:r>
+          </a:p>
+          <a:p>
+            <a:pPr/>
+            <a:r>
+              <a:t>e</a:t>
+            </a:r>
+          </a:p>
+          <a:p>
+            <a:pPr/>
+            <a:r>
+              <a:t>s</a:t>
+            </a:r>
+          </a:p>
+          <a:p>
+            <a:pPr/>
+            <a:r>
+              <a:t> </a:t>
+            </a:r>
+          </a:p>
+          <a:p>
+            <a:pPr/>
+            <a:r>
+              <a:t>a</a:t>
+            </a:r>
+          </a:p>
+          <a:p>
+            <a:pPr/>
+            <a:r>
+              <a:t>n</a:t>
+            </a:r>
+          </a:p>
+          <a:p>
+            <a:pPr/>
+            <a:r>
+              <a:t> </a:t>
+            </a:r>
+          </a:p>
+          <a:p>
+            <a:pPr/>
+            <a:r>
+              <a:t>a</a:t>
+            </a:r>
+          </a:p>
+          <a:p>
+            <a:pPr/>
+            <a:r>
+              <a:t>u</a:t>
+            </a:r>
+          </a:p>
+          <a:p>
+            <a:pPr/>
+            <a:r>
+              <a:t>t</a:t>
+            </a:r>
+          </a:p>
+          <a:p>
+            <a:pPr/>
+            <a:r>
+              <a:t>o</a:t>
+            </a:r>
+          </a:p>
+          <a:p>
+            <a:pPr/>
+            <a:r>
+              <a:t>m</a:t>
+            </a:r>
+          </a:p>
+          <a:p>
+            <a:pPr/>
+            <a:r>
+              <a:t>a</a:t>
+            </a:r>
+          </a:p>
+          <a:p>
+            <a:pPr/>
+            <a:r>
+              <a:t>t</a:t>
+            </a:r>
+          </a:p>
+          <a:p>
+            <a:pPr/>
+            <a:r>
+              <a:t>e</a:t>
+            </a:r>
+          </a:p>
+          <a:p>
+            <a:pPr/>
+            <a:r>
+              <a:t>d</a:t>
+            </a:r>
+          </a:p>
+          <a:p>
+            <a:pPr/>
+            <a:r>
+              <a:t> </a:t>
+            </a:r>
+          </a:p>
+          <a:p>
+            <a:pPr/>
+            <a:r>
+              <a:t>p</a:t>
+            </a:r>
+          </a:p>
+          <a:p>
+            <a:pPr/>
+            <a:r>
+              <a:t>r</a:t>
+            </a:r>
+          </a:p>
+          <a:p>
+            <a:pPr/>
+            <a:r>
+              <a:t>e</a:t>
+            </a:r>
+          </a:p>
+          <a:p>
+            <a:pPr/>
+            <a:r>
+              <a:t>s</a:t>
+            </a:r>
+          </a:p>
+          <a:p>
+            <a:pPr/>
+            <a:r>
+              <a:t>e</a:t>
+            </a:r>
+          </a:p>
+          <a:p>
+            <a:pPr/>
+            <a:r>
+              <a:t>n</a:t>
+            </a:r>
+          </a:p>
+          <a:p>
+            <a:pPr/>
+            <a:r>
+              <a:t>t</a:t>
+            </a:r>
+          </a:p>
+          <a:p>
+            <a:pPr/>
+            <a:r>
+              <a:t>a</a:t>
+            </a:r>
+          </a:p>
+          <a:p>
+            <a:pPr/>
+            <a:r>
+              <a:t>t</a:t>
+            </a:r>
+          </a:p>
+          <a:p>
+            <a:pPr/>
+            <a:r>
+              <a:t>i</a:t>
+            </a:r>
+          </a:p>
+          <a:p>
+            <a:pPr/>
+            <a:r>
+              <a:t>o</a:t>
+            </a:r>
+          </a:p>
+          <a:p>
+            <a:pPr/>
+            <a:r>
+              <a:t>n</a:t>
+            </a:r>
+          </a:p>
+          <a:p>
+            <a:pPr/>
+            <a:r>
+              <a:t>.</a:t>
+            </a:r>
+          </a:p>
+        </p:txBody>
+      </p:sp>
+    </p:spTree>
+  </p:cSld>
+  <p:clrMapOvr>
+    <a:masterClrMapping/>
+  </p:clrMapOvr>
+</p:sld>
+</file>
+
+<file path=ppt/slides/slide4.xml><?xml version="1.0" encoding="utf-8"?>
+<p:sld xmlns:a="http://schemas.openxmlformats.org/drawingml/2006/main" xmlns:p="http://schemas.openxmlformats.org/presentationml/2006/main" xmlns:r="http://schemas.openxmlformats.org/officeDocument/2006/relationships">
+  <p:cSld>
+    <p:spTree>
+      <p:nvGrpSpPr>
+        <p:cNvPr id="1" name=""/>
+        <p:cNvGrpSpPr/>
+        <p:nvPr/>
+      </p:nvGrpSpPr>
+      <p:grpSpPr/>
+      <p:sp>
+        <p:nvSpPr>
+          <p:cNvPr id="2" name="Title 1"/>
+          <p:cNvSpPr>
+            <a:spLocks noGrp="1"/>
+          </p:cNvSpPr>
+          <p:nvPr>
+            <p:ph type="title"/>
+          </p:nvPr>
+        </p:nvSpPr>
+        <p:spPr/>
+        <p:txBody>
+          <a:bodyPr/>
+          <a:lstStyle/>
+          <a:p>
+            <a:r>
+              <a:t>Related Work</a:t>
+            </a:r>
+          </a:p>
+        </p:txBody>
+      </p:sp>
+      <p:sp>
+        <p:nvSpPr>
+          <p:cNvPr id="3" name="Content Placeholder 2"/>
+          <p:cNvSpPr>
+            <a:spLocks noGrp="1"/>
+          </p:cNvSpPr>
+          <p:nvPr>
+            <p:ph idx="1"/>
+          </p:nvPr>
+        </p:nvSpPr>
+        <p:spPr/>
+        <p:txBody>
+          <a:bodyPr/>
+          <a:lstStyle/>
+          <a:p>
+            <a:r>
+              <a:t>m</a:t>
+            </a:r>
+          </a:p>
+          <a:p>
+            <a:pPr/>
+            <a:r>
+              <a:t>y</a:t>
+            </a:r>
+          </a:p>
+          <a:p>
+            <a:pPr/>
+            <a:r>
+              <a:t> </a:t>
+            </a:r>
+          </a:p>
+          <a:p>
+            <a:pPr/>
+            <a:r>
+              <a:t>n</a:t>
+            </a:r>
+          </a:p>
+          <a:p>
+            <a:pPr/>
+            <a:r>
+              <a:t>a</a:t>
+            </a:r>
+          </a:p>
+          <a:p>
+            <a:pPr/>
+            <a:r>
+              <a:t>m</a:t>
+            </a:r>
+          </a:p>
+          <a:p>
+            <a:pPr/>
+            <a:r>
+              <a:t>e</a:t>
+            </a:r>
+          </a:p>
+          <a:p>
+            <a:pPr/>
+            <a:r>
+              <a:t> </a:t>
+            </a:r>
+          </a:p>
+          <a:p>
+            <a:pPr/>
+            <a:r>
+              <a:t>i</a:t>
+            </a:r>
+          </a:p>
+          <a:p>
+            <a:pPr/>
+            <a:r>
+              <a:t>s</a:t>
+            </a:r>
+          </a:p>
+          <a:p>
+            <a:pPr/>
+            <a:r>
+              <a:t> </a:t>
+            </a:r>
+          </a:p>
+          <a:p>
+            <a:pPr/>
+            <a:r>
+              <a:t>n</a:t>
+            </a:r>
+          </a:p>
+          <a:p>
+            <a:pPr/>
+            <a:r>
+              <a:t>e</a:t>
+            </a:r>
+          </a:p>
+          <a:p>
+            <a:pPr/>
+            <a:r>
+              <a:t>e</a:t>
+            </a:r>
+          </a:p>
+          <a:p>
+            <a:pPr/>
+            <a:r>
+              <a:t>l</a:t>
+            </a:r>
+          </a:p>
+          <a:p>
+            <a:pPr/>
+            <a:r>
+              <a:t>.</a:t>
+            </a:r>
+          </a:p>
+          <a:p>
+            <a:pPr/>
+            <a:r>
+              <a:t> </a:t>
+            </a:r>
+          </a:p>
+          <a:p>
+            <a:pPr/>
+            <a:r>
+              <a:t>i</a:t>
+            </a:r>
+          </a:p>
+          <a:p>
+            <a:pPr/>
+            <a:r>
+              <a:t> </a:t>
+            </a:r>
+          </a:p>
+          <a:p>
+            <a:pPr/>
+            <a:r>
+              <a:t>b</a:t>
+            </a:r>
+          </a:p>
+          <a:p>
+            <a:pPr/>
+            <a:r>
+              <a:t>u</a:t>
+            </a:r>
+          </a:p>
+          <a:p>
+            <a:pPr/>
+            <a:r>
+              <a:t>i</a:t>
+            </a:r>
+          </a:p>
+          <a:p>
+            <a:pPr/>
+            <a:r>
+              <a:t>l</a:t>
+            </a:r>
+          </a:p>
+          <a:p>
+            <a:pPr/>
+            <a:r>
+              <a:t>t</a:t>
+            </a:r>
+          </a:p>
+          <a:p>
+            <a:pPr/>
+            <a:r>
+              <a:t> </a:t>
+            </a:r>
+          </a:p>
+          <a:p>
+            <a:pPr/>
+            <a:r>
+              <a:t>p</a:t>
+            </a:r>
+          </a:p>
+          <a:p>
+            <a:pPr/>
+            <a:r>
+              <a:t>r</a:t>
+            </a:r>
+          </a:p>
+          <a:p>
+            <a:pPr/>
+            <a:r>
+              <a:t>e</a:t>
+            </a:r>
+          </a:p>
+          <a:p>
+            <a:pPr/>
+            <a:r>
+              <a:t>s</a:t>
+            </a:r>
+          </a:p>
+          <a:p>
+            <a:pPr/>
+            <a:r>
+              <a:t>e</a:t>
+            </a:r>
+          </a:p>
+          <a:p>
+            <a:pPr/>
+            <a:r>
+              <a:t>n</a:t>
+            </a:r>
+          </a:p>
+          <a:p>
+            <a:pPr/>
+            <a:r>
+              <a:t>t</a:t>
+            </a:r>
+          </a:p>
+          <a:p>
+            <a:pPr/>
+            <a:r>
+              <a:t>q</a:t>
+            </a:r>
+          </a:p>
+          <a:p>
+            <a:pPr/>
+            <a:r>
+              <a:t>u</a:t>
+            </a:r>
+          </a:p>
+          <a:p>
+            <a:pPr/>
+            <a:r>
+              <a:t>i</a:t>
+            </a:r>
+          </a:p>
+          <a:p>
+            <a:pPr/>
+            <a:r>
+              <a:t>c</a:t>
+            </a:r>
+          </a:p>
+          <a:p>
+            <a:pPr/>
+            <a:r>
+              <a:t>k</a:t>
+            </a:r>
+          </a:p>
+          <a:p>
+            <a:pPr/>
+            <a:r>
+              <a:t>.</a:t>
+            </a:r>
+          </a:p>
+          <a:p>
+            <a:pPr/>
+            <a:r>
+              <a:t> </a:t>
+            </a:r>
+          </a:p>
+          <a:p>
+            <a:pPr/>
+            <a:r>
+              <a:t>w</a:t>
+            </a:r>
+          </a:p>
+          <a:p>
+            <a:pPr/>
+            <a:r>
+              <a:t>h</a:t>
+            </a:r>
+          </a:p>
+          <a:p>
+            <a:pPr/>
+            <a:r>
+              <a:t>i</a:t>
+            </a:r>
+          </a:p>
+          <a:p>
+            <a:pPr/>
+            <a:r>
+              <a:t>c</a:t>
+            </a:r>
+          </a:p>
+          <a:p>
+            <a:pPr/>
+            <a:r>
+              <a:t>h</a:t>
+            </a:r>
+          </a:p>
+          <a:p>
+            <a:pPr/>
+            <a:r>
+              <a:t> </a:t>
+            </a:r>
+          </a:p>
+          <a:p>
+            <a:pPr/>
+            <a:r>
+              <a:t>i</a:t>
+            </a:r>
+          </a:p>
+          <a:p>
+            <a:pPr/>
+            <a:r>
+              <a:t>s</a:t>
+            </a:r>
+          </a:p>
+          <a:p>
+            <a:pPr/>
+            <a:r>
+              <a:t> </a:t>
+            </a:r>
+          </a:p>
+          <a:p>
+            <a:pPr/>
+            <a:r>
+              <a:t>a</a:t>
+            </a:r>
+          </a:p>
+          <a:p>
+            <a:pPr/>
+            <a:r>
+              <a:t> </a:t>
+            </a:r>
+          </a:p>
+          <a:p>
+            <a:pPr/>
+            <a:r>
+              <a:t>t</a:t>
+            </a:r>
+          </a:p>
+          <a:p>
+            <a:pPr/>
+            <a:r>
+              <a:t>o</a:t>
+            </a:r>
+          </a:p>
+          <a:p>
+            <a:pPr/>
+            <a:r>
+              <a:t>o</a:t>
+            </a:r>
+          </a:p>
+          <a:p>
+            <a:pPr/>
+            <a:r>
+              <a:t>l</a:t>
+            </a:r>
+          </a:p>
+          <a:p>
+            <a:pPr/>
+            <a:r>
+              <a:t> </a:t>
+            </a:r>
+          </a:p>
+          <a:p>
+            <a:pPr/>
+            <a:r>
+              <a:t>t</a:t>
+            </a:r>
+          </a:p>
+          <a:p>
+            <a:pPr/>
+            <a:r>
+              <a:t>h</a:t>
+            </a:r>
+          </a:p>
+          <a:p>
+            <a:pPr/>
+            <a:r>
+              <a:t>a</a:t>
+            </a:r>
+          </a:p>
+          <a:p>
+            <a:pPr/>
+            <a:r>
+              <a:t>t</a:t>
+            </a:r>
+          </a:p>
+          <a:p>
+            <a:pPr/>
+            <a:r>
+              <a:t> </a:t>
+            </a:r>
+          </a:p>
+          <a:p>
+            <a:pPr/>
+            <a:r>
+              <a:t>s</a:t>
+            </a:r>
+          </a:p>
+          <a:p>
+            <a:pPr/>
+            <a:r>
+              <a:t>u</a:t>
+            </a:r>
+          </a:p>
+          <a:p>
+            <a:pPr/>
+            <a:r>
+              <a:t>m</a:t>
+            </a:r>
+          </a:p>
+          <a:p>
+            <a:pPr/>
+            <a:r>
+              <a:t>m</a:t>
+            </a:r>
+          </a:p>
+          <a:p>
+            <a:pPr/>
+            <a:r>
+              <a:t>a</a:t>
+            </a:r>
+          </a:p>
+          <a:p>
+            <a:pPr/>
+            <a:r>
+              <a:t>r</a:t>
+            </a:r>
+          </a:p>
+          <a:p>
+            <a:pPr/>
+            <a:r>
+              <a:t>i</a:t>
+            </a:r>
+          </a:p>
+          <a:p>
+            <a:pPr/>
+            <a:r>
+              <a:t>z</a:t>
+            </a:r>
+          </a:p>
+          <a:p>
+            <a:pPr/>
+            <a:r>
+              <a:t>e</a:t>
+            </a:r>
+          </a:p>
+          <a:p>
+            <a:pPr/>
+            <a:r>
+              <a:t>s</a:t>
+            </a:r>
+          </a:p>
+          <a:p>
+            <a:pPr/>
+            <a:r>
+              <a:t> </a:t>
+            </a:r>
+          </a:p>
+          <a:p>
+            <a:pPr/>
+            <a:r>
+              <a:t>r</a:t>
+            </a:r>
+          </a:p>
+          <a:p>
+            <a:pPr/>
+            <a:r>
+              <a:t>e</a:t>
+            </a:r>
+          </a:p>
+          <a:p>
+            <a:pPr/>
+            <a:r>
+              <a:t>s</a:t>
+            </a:r>
+          </a:p>
+          <a:p>
+            <a:pPr/>
+            <a:r>
+              <a:t>e</a:t>
+            </a:r>
+          </a:p>
+          <a:p>
+            <a:pPr/>
+            <a:r>
+              <a:t>a</a:t>
+            </a:r>
+          </a:p>
+          <a:p>
+            <a:pPr/>
+            <a:r>
+              <a:t>r</a:t>
+            </a:r>
+          </a:p>
+          <a:p>
+            <a:pPr/>
+            <a:r>
+              <a:t>c</a:t>
+            </a:r>
+          </a:p>
+          <a:p>
+            <a:pPr/>
+            <a:r>
+              <a:t>h</a:t>
+            </a:r>
+          </a:p>
+          <a:p>
+            <a:pPr/>
+            <a:r>
+              <a:t>.</a:t>
+            </a:r>
+          </a:p>
+          <a:p>
+            <a:pPr/>
+            <a:r>
+              <a:t> </a:t>
+            </a:r>
+          </a:p>
+          <a:p>
+            <a:pPr/>
+            <a:r>
+              <a:t>i</a:t>
+            </a:r>
+          </a:p>
+          <a:p>
+            <a:pPr/>
+            <a:r>
+              <a:t>t</a:t>
+            </a:r>
+          </a:p>
+          <a:p>
+            <a:pPr/>
+            <a:r>
+              <a:t> </a:t>
+            </a:r>
+          </a:p>
+          <a:p>
+            <a:pPr/>
+            <a:r>
+              <a:t>a</a:t>
+            </a:r>
+          </a:p>
+          <a:p>
+            <a:pPr/>
+            <a:r>
+              <a:t>l</a:t>
+            </a:r>
+          </a:p>
+          <a:p>
+            <a:pPr/>
+            <a:r>
+              <a:t>s</a:t>
+            </a:r>
+          </a:p>
+          <a:p>
+            <a:pPr/>
+            <a:r>
+              <a:t>o</a:t>
+            </a:r>
+          </a:p>
+          <a:p>
+            <a:pPr/>
+            <a:r>
+              <a:t> </a:t>
+            </a:r>
+          </a:p>
+          <a:p>
+            <a:pPr/>
+            <a:r>
+              <a:t>c</a:t>
+            </a:r>
+          </a:p>
+          <a:p>
+            <a:pPr/>
+            <a:r>
+              <a:t>r</a:t>
+            </a:r>
+          </a:p>
+          <a:p>
+            <a:pPr/>
+            <a:r>
+              <a:t>e</a:t>
+            </a:r>
+          </a:p>
+          <a:p>
+            <a:pPr/>
+            <a:r>
+              <a:t>a</a:t>
+            </a:r>
+          </a:p>
+          <a:p>
+            <a:pPr/>
+            <a:r>
+              <a:t>t</a:t>
+            </a:r>
+          </a:p>
+          <a:p>
+            <a:pPr/>
+            <a:r>
+              <a:t>e</a:t>
+            </a:r>
+          </a:p>
+          <a:p>
+            <a:pPr/>
+            <a:r>
+              <a:t>s</a:t>
+            </a:r>
+          </a:p>
+          <a:p>
+            <a:pPr/>
+            <a:r>
+              <a:t> </a:t>
+            </a:r>
+          </a:p>
+          <a:p>
+            <a:pPr/>
+            <a:r>
+              <a:t>a</a:t>
+            </a:r>
+          </a:p>
+          <a:p>
+            <a:pPr/>
+            <a:r>
+              <a:t>n</a:t>
+            </a:r>
+          </a:p>
+          <a:p>
+            <a:pPr/>
+            <a:r>
+              <a:t> </a:t>
+            </a:r>
+          </a:p>
+          <a:p>
+            <a:pPr/>
+            <a:r>
+              <a:t>a</a:t>
+            </a:r>
+          </a:p>
+          <a:p>
+            <a:pPr/>
+            <a:r>
+              <a:t>u</a:t>
+            </a:r>
+          </a:p>
+          <a:p>
+            <a:pPr/>
+            <a:r>
+              <a:t>t</a:t>
+            </a:r>
+          </a:p>
+          <a:p>
+            <a:pPr/>
+            <a:r>
+              <a:t>o</a:t>
+            </a:r>
+          </a:p>
+          <a:p>
+            <a:pPr/>
+            <a:r>
+              <a:t>m</a:t>
+            </a:r>
+          </a:p>
+          <a:p>
+            <a:pPr/>
+            <a:r>
+              <a:t>a</a:t>
+            </a:r>
+          </a:p>
+          <a:p>
+            <a:pPr/>
+            <a:r>
+              <a:t>t</a:t>
+            </a:r>
+          </a:p>
+          <a:p>
+            <a:pPr/>
+            <a:r>
+              <a:t>e</a:t>
+            </a:r>
+          </a:p>
+          <a:p>
+            <a:pPr/>
+            <a:r>
+              <a:t>d</a:t>
+            </a:r>
+          </a:p>
+          <a:p>
+            <a:pPr/>
+            <a:r>
+              <a:t> </a:t>
+            </a:r>
+          </a:p>
+          <a:p>
+            <a:pPr/>
+            <a:r>
+              <a:t>p</a:t>
+            </a:r>
+          </a:p>
+          <a:p>
+            <a:pPr/>
+            <a:r>
+              <a:t>r</a:t>
+            </a:r>
+          </a:p>
+          <a:p>
+            <a:pPr/>
+            <a:r>
+              <a:t>e</a:t>
+            </a:r>
+          </a:p>
+          <a:p>
+            <a:pPr/>
+            <a:r>
+              <a:t>s</a:t>
+            </a:r>
+          </a:p>
+          <a:p>
+            <a:pPr/>
+            <a:r>
+              <a:t>e</a:t>
+            </a:r>
+          </a:p>
+          <a:p>
+            <a:pPr/>
+            <a:r>
+              <a:t>n</a:t>
+            </a:r>
+          </a:p>
+          <a:p>
+            <a:pPr/>
+            <a:r>
+              <a:t>t</a:t>
+            </a:r>
+          </a:p>
+          <a:p>
+            <a:pPr/>
+            <a:r>
+              <a:t>a</a:t>
+            </a:r>
+          </a:p>
+          <a:p>
+            <a:pPr/>
+            <a:r>
+              <a:t>t</a:t>
+            </a:r>
+          </a:p>
+          <a:p>
+            <a:pPr/>
+            <a:r>
+              <a:t>i</a:t>
+            </a:r>
+          </a:p>
+          <a:p>
+            <a:pPr/>
+            <a:r>
+              <a:t>o</a:t>
+            </a:r>
+          </a:p>
+          <a:p>
+            <a:pPr/>
+            <a:r>
+              <a:t>n</a:t>
+            </a:r>
+          </a:p>
+          <a:p>
+            <a:pPr/>
+            <a:r>
+              <a:t>.</a:t>
+            </a:r>
+          </a:p>
+        </p:txBody>
+      </p:sp>
+    </p:spTree>
+  </p:cSld>
+  <p:clrMapOvr>
+    <a:masterClrMapping/>
+  </p:clrMapOvr>
+</p:sld>
+</file>
+
+<file path=ppt/slides/slide5.xml><?xml version="1.0" encoding="utf-8"?>
+<p:sld xmlns:a="http://schemas.openxmlformats.org/drawingml/2006/main" xmlns:p="http://schemas.openxmlformats.org/presentationml/2006/main" xmlns:r="http://schemas.openxmlformats.org/officeDocument/2006/relationships">
+  <p:cSld>
+    <p:spTree>
+      <p:nvGrpSpPr>
+        <p:cNvPr id="1" name=""/>
+        <p:cNvGrpSpPr/>
+        <p:nvPr/>
+      </p:nvGrpSpPr>
+      <p:grpSpPr/>
+      <p:sp>
+        <p:nvSpPr>
+          <p:cNvPr id="2" name="Title 1"/>
+          <p:cNvSpPr>
+            <a:spLocks noGrp="1"/>
+          </p:cNvSpPr>
+          <p:nvPr>
+            <p:ph type="title"/>
+          </p:nvPr>
+        </p:nvSpPr>
+        <p:spPr/>
+        <p:txBody>
+          <a:bodyPr/>
+          <a:lstStyle/>
+          <a:p>
+            <a:r>
+              <a:t>Methods</a:t>
+            </a:r>
+          </a:p>
+        </p:txBody>
+      </p:sp>
+      <p:sp>
+        <p:nvSpPr>
+          <p:cNvPr id="3" name="Content Placeholder 2"/>
+          <p:cNvSpPr>
+            <a:spLocks noGrp="1"/>
+          </p:cNvSpPr>
+          <p:nvPr>
+            <p:ph idx="1"/>
+          </p:nvPr>
+        </p:nvSpPr>
+        <p:spPr/>
+        <p:txBody>
+          <a:bodyPr/>
+          <a:lstStyle/>
+          <a:p>
+            <a:r>
+              <a:t>m</a:t>
+            </a:r>
+          </a:p>
+          <a:p>
+            <a:pPr/>
+            <a:r>
+              <a:t>y</a:t>
+            </a:r>
+          </a:p>
+          <a:p>
+            <a:pPr/>
+            <a:r>
+              <a:t> </a:t>
+            </a:r>
+          </a:p>
+          <a:p>
+            <a:pPr/>
+            <a:r>
+              <a:t>n</a:t>
+            </a:r>
+          </a:p>
+          <a:p>
+            <a:pPr/>
+            <a:r>
+              <a:t>a</a:t>
+            </a:r>
+          </a:p>
+          <a:p>
+            <a:pPr/>
+            <a:r>
+              <a:t>m</a:t>
+            </a:r>
+          </a:p>
+          <a:p>
+            <a:pPr/>
+            <a:r>
+              <a:t>e</a:t>
+            </a:r>
+          </a:p>
+          <a:p>
+            <a:pPr/>
+            <a:r>
+              <a:t> </a:t>
+            </a:r>
+          </a:p>
+          <a:p>
+            <a:pPr/>
+            <a:r>
+              <a:t>i</a:t>
+            </a:r>
+          </a:p>
+          <a:p>
+            <a:pPr/>
+            <a:r>
+              <a:t>s</a:t>
+            </a:r>
+          </a:p>
+          <a:p>
+            <a:pPr/>
+            <a:r>
+              <a:t> </a:t>
+            </a:r>
+          </a:p>
+          <a:p>
+            <a:pPr/>
+            <a:r>
+              <a:t>n</a:t>
+            </a:r>
+          </a:p>
+          <a:p>
+            <a:pPr/>
+            <a:r>
+              <a:t>e</a:t>
+            </a:r>
+          </a:p>
+          <a:p>
+            <a:pPr/>
+            <a:r>
+              <a:t>e</a:t>
+            </a:r>
+          </a:p>
+          <a:p>
+            <a:pPr/>
+            <a:r>
+              <a:t>l</a:t>
+            </a:r>
+          </a:p>
+          <a:p>
+            <a:pPr/>
+            <a:r>
+              <a:t>.</a:t>
+            </a:r>
+          </a:p>
+          <a:p>
+            <a:pPr/>
+            <a:r>
+              <a:t> </a:t>
+            </a:r>
+          </a:p>
+          <a:p>
+            <a:pPr/>
+            <a:r>
+              <a:t>i</a:t>
+            </a:r>
+          </a:p>
+          <a:p>
+            <a:pPr/>
+            <a:r>
+              <a:t> </a:t>
+            </a:r>
+          </a:p>
+          <a:p>
+            <a:pPr/>
+            <a:r>
+              <a:t>b</a:t>
+            </a:r>
+          </a:p>
+          <a:p>
+            <a:pPr/>
+            <a:r>
+              <a:t>u</a:t>
+            </a:r>
+          </a:p>
+          <a:p>
+            <a:pPr/>
+            <a:r>
+              <a:t>i</a:t>
+            </a:r>
+          </a:p>
+          <a:p>
+            <a:pPr/>
+            <a:r>
+              <a:t>l</a:t>
+            </a:r>
+          </a:p>
+          <a:p>
+            <a:pPr/>
+            <a:r>
+              <a:t>t</a:t>
+            </a:r>
+          </a:p>
+          <a:p>
+            <a:pPr/>
+            <a:r>
+              <a:t> </a:t>
+            </a:r>
+          </a:p>
+          <a:p>
+            <a:pPr/>
+            <a:r>
+              <a:t>p</a:t>
+            </a:r>
+          </a:p>
+          <a:p>
+            <a:pPr/>
+            <a:r>
+              <a:t>r</a:t>
+            </a:r>
+          </a:p>
+          <a:p>
+            <a:pPr/>
+            <a:r>
+              <a:t>e</a:t>
+            </a:r>
+          </a:p>
+          <a:p>
+            <a:pPr/>
+            <a:r>
+              <a:t>s</a:t>
+            </a:r>
+          </a:p>
+          <a:p>
+            <a:pPr/>
+            <a:r>
+              <a:t>e</a:t>
+            </a:r>
+          </a:p>
+          <a:p>
+            <a:pPr/>
+            <a:r>
+              <a:t>n</a:t>
+            </a:r>
+          </a:p>
+          <a:p>
+            <a:pPr/>
+            <a:r>
+              <a:t>t</a:t>
+            </a:r>
+          </a:p>
+          <a:p>
+            <a:pPr/>
+            <a:r>
+              <a:t>q</a:t>
+            </a:r>
+          </a:p>
+          <a:p>
+            <a:pPr/>
+            <a:r>
+              <a:t>u</a:t>
+            </a:r>
+          </a:p>
+          <a:p>
+            <a:pPr/>
+            <a:r>
+              <a:t>i</a:t>
+            </a:r>
+          </a:p>
+          <a:p>
+            <a:pPr/>
+            <a:r>
+              <a:t>c</a:t>
+            </a:r>
+          </a:p>
+          <a:p>
+            <a:pPr/>
+            <a:r>
+              <a:t>k</a:t>
+            </a:r>
+          </a:p>
+          <a:p>
+            <a:pPr/>
+            <a:r>
+              <a:t>.</a:t>
+            </a:r>
+          </a:p>
+          <a:p>
+            <a:pPr/>
+            <a:r>
+              <a:t> </a:t>
+            </a:r>
+          </a:p>
+          <a:p>
+            <a:pPr/>
+            <a:r>
+              <a:t>w</a:t>
+            </a:r>
+          </a:p>
+          <a:p>
+            <a:pPr/>
+            <a:r>
+              <a:t>h</a:t>
+            </a:r>
+          </a:p>
+          <a:p>
+            <a:pPr/>
+            <a:r>
+              <a:t>i</a:t>
+            </a:r>
+          </a:p>
+          <a:p>
+            <a:pPr/>
+            <a:r>
+              <a:t>c</a:t>
+            </a:r>
+          </a:p>
+          <a:p>
+            <a:pPr/>
+            <a:r>
+              <a:t>h</a:t>
+            </a:r>
+          </a:p>
+          <a:p>
+            <a:pPr/>
+            <a:r>
+              <a:t> </a:t>
+            </a:r>
+          </a:p>
+          <a:p>
+            <a:pPr/>
+            <a:r>
+              <a:t>i</a:t>
+            </a:r>
+          </a:p>
+          <a:p>
+            <a:pPr/>
+            <a:r>
+              <a:t>s</a:t>
+            </a:r>
+          </a:p>
+          <a:p>
+            <a:pPr/>
+            <a:r>
+              <a:t> </a:t>
+            </a:r>
+          </a:p>
+          <a:p>
+            <a:pPr/>
+            <a:r>
+              <a:t>a</a:t>
+            </a:r>
+          </a:p>
+          <a:p>
+            <a:pPr/>
+            <a:r>
+              <a:t> </a:t>
+            </a:r>
+          </a:p>
+          <a:p>
+            <a:pPr/>
+            <a:r>
+              <a:t>t</a:t>
+            </a:r>
+          </a:p>
+          <a:p>
+            <a:pPr/>
+            <a:r>
+              <a:t>o</a:t>
+            </a:r>
+          </a:p>
+          <a:p>
+            <a:pPr/>
+            <a:r>
+              <a:t>o</a:t>
+            </a:r>
+          </a:p>
+          <a:p>
+            <a:pPr/>
+            <a:r>
+              <a:t>l</a:t>
+            </a:r>
+          </a:p>
+          <a:p>
+            <a:pPr/>
+            <a:r>
+              <a:t> </a:t>
+            </a:r>
+          </a:p>
+          <a:p>
+            <a:pPr/>
+            <a:r>
+              <a:t>t</a:t>
+            </a:r>
+          </a:p>
+          <a:p>
+            <a:pPr/>
+            <a:r>
+              <a:t>h</a:t>
+            </a:r>
+          </a:p>
+          <a:p>
+            <a:pPr/>
+            <a:r>
+              <a:t>a</a:t>
+            </a:r>
+          </a:p>
+          <a:p>
+            <a:pPr/>
+            <a:r>
+              <a:t>t</a:t>
+            </a:r>
+          </a:p>
+          <a:p>
+            <a:pPr/>
+            <a:r>
+              <a:t> </a:t>
+            </a:r>
+          </a:p>
+          <a:p>
+            <a:pPr/>
+            <a:r>
+              <a:t>s</a:t>
+            </a:r>
+          </a:p>
+          <a:p>
+            <a:pPr/>
+            <a:r>
+              <a:t>u</a:t>
+            </a:r>
+          </a:p>
+          <a:p>
+            <a:pPr/>
+            <a:r>
+              <a:t>m</a:t>
+            </a:r>
+          </a:p>
+          <a:p>
+            <a:pPr/>
+            <a:r>
+              <a:t>m</a:t>
+            </a:r>
+          </a:p>
+          <a:p>
+            <a:pPr/>
+            <a:r>
+              <a:t>a</a:t>
+            </a:r>
+          </a:p>
+          <a:p>
+            <a:pPr/>
+            <a:r>
+              <a:t>r</a:t>
+            </a:r>
+          </a:p>
+          <a:p>
+            <a:pPr/>
+            <a:r>
+              <a:t>i</a:t>
+            </a:r>
+          </a:p>
+          <a:p>
+            <a:pPr/>
+            <a:r>
+              <a:t>z</a:t>
+            </a:r>
+          </a:p>
+          <a:p>
+            <a:pPr/>
+            <a:r>
+              <a:t>e</a:t>
+            </a:r>
+          </a:p>
+          <a:p>
+            <a:pPr/>
+            <a:r>
+              <a:t>s</a:t>
+            </a:r>
+          </a:p>
+          <a:p>
+            <a:pPr/>
+            <a:r>
+              <a:t> </a:t>
+            </a:r>
+          </a:p>
+          <a:p>
+            <a:pPr/>
+            <a:r>
+              <a:t>r</a:t>
+            </a:r>
+          </a:p>
+          <a:p>
+            <a:pPr/>
+            <a:r>
+              <a:t>e</a:t>
+            </a:r>
+          </a:p>
+          <a:p>
+            <a:pPr/>
+            <a:r>
+              <a:t>s</a:t>
+            </a:r>
+          </a:p>
+          <a:p>
+            <a:pPr/>
+            <a:r>
+              <a:t>e</a:t>
+            </a:r>
+          </a:p>
+          <a:p>
+            <a:pPr/>
+            <a:r>
+              <a:t>a</a:t>
+            </a:r>
+          </a:p>
+          <a:p>
+            <a:pPr/>
+            <a:r>
+              <a:t>r</a:t>
+            </a:r>
+          </a:p>
+          <a:p>
+            <a:pPr/>
+            <a:r>
+              <a:t>c</a:t>
+            </a:r>
+          </a:p>
+          <a:p>
+            <a:pPr/>
+            <a:r>
+              <a:t>h</a:t>
+            </a:r>
+          </a:p>
+          <a:p>
+            <a:pPr/>
+            <a:r>
+              <a:t>.</a:t>
+            </a:r>
+          </a:p>
+          <a:p>
+            <a:pPr/>
+            <a:r>
+              <a:t> </a:t>
+            </a:r>
+          </a:p>
+          <a:p>
+            <a:pPr/>
+            <a:r>
+              <a:t>i</a:t>
+            </a:r>
+          </a:p>
+          <a:p>
+            <a:pPr/>
+            <a:r>
+              <a:t>t</a:t>
+            </a:r>
+          </a:p>
+          <a:p>
+            <a:pPr/>
+            <a:r>
+              <a:t> </a:t>
+            </a:r>
+          </a:p>
+          <a:p>
+            <a:pPr/>
+            <a:r>
+              <a:t>a</a:t>
+            </a:r>
+          </a:p>
+          <a:p>
+            <a:pPr/>
+            <a:r>
+              <a:t>l</a:t>
+            </a:r>
+          </a:p>
+          <a:p>
+            <a:pPr/>
+            <a:r>
+              <a:t>s</a:t>
+            </a:r>
+          </a:p>
+          <a:p>
+            <a:pPr/>
+            <a:r>
+              <a:t>o</a:t>
+            </a:r>
+          </a:p>
+          <a:p>
+            <a:pPr/>
+            <a:r>
+              <a:t> </a:t>
+            </a:r>
+          </a:p>
+          <a:p>
+            <a:pPr/>
+            <a:r>
+              <a:t>c</a:t>
+            </a:r>
+          </a:p>
+          <a:p>
+            <a:pPr/>
+            <a:r>
+              <a:t>r</a:t>
+            </a:r>
+          </a:p>
+          <a:p>
+            <a:pPr/>
+            <a:r>
+              <a:t>e</a:t>
+            </a:r>
+          </a:p>
+          <a:p>
+            <a:pPr/>
+            <a:r>
+              <a:t>a</a:t>
+            </a:r>
+          </a:p>
+          <a:p>
+            <a:pPr/>
+            <a:r>
+              <a:t>t</a:t>
+            </a:r>
+          </a:p>
+          <a:p>
+            <a:pPr/>
+            <a:r>
+              <a:t>e</a:t>
+            </a:r>
+          </a:p>
+          <a:p>
+            <a:pPr/>
+            <a:r>
+              <a:t>s</a:t>
+            </a:r>
+          </a:p>
+          <a:p>
+            <a:pPr/>
+            <a:r>
+              <a:t> </a:t>
+            </a:r>
+          </a:p>
+          <a:p>
+            <a:pPr/>
+            <a:r>
+              <a:t>a</a:t>
+            </a:r>
+          </a:p>
+          <a:p>
+            <a:pPr/>
+            <a:r>
+              <a:t>n</a:t>
+            </a:r>
+          </a:p>
+          <a:p>
+            <a:pPr/>
+            <a:r>
+              <a:t> </a:t>
+            </a:r>
+          </a:p>
+          <a:p>
+            <a:pPr/>
+            <a:r>
+              <a:t>a</a:t>
+            </a:r>
+          </a:p>
+          <a:p>
+            <a:pPr/>
+            <a:r>
+              <a:t>u</a:t>
+            </a:r>
+          </a:p>
+          <a:p>
+            <a:pPr/>
+            <a:r>
+              <a:t>t</a:t>
+            </a:r>
+          </a:p>
+          <a:p>
+            <a:pPr/>
+            <a:r>
+              <a:t>o</a:t>
+            </a:r>
+          </a:p>
+          <a:p>
+            <a:pPr/>
+            <a:r>
+              <a:t>m</a:t>
+            </a:r>
+          </a:p>
+          <a:p>
+            <a:pPr/>
+            <a:r>
+              <a:t>a</a:t>
+            </a:r>
+          </a:p>
+          <a:p>
+            <a:pPr/>
+            <a:r>
+              <a:t>t</a:t>
+            </a:r>
+          </a:p>
+          <a:p>
+            <a:pPr/>
+            <a:r>
+              <a:t>e</a:t>
+            </a:r>
+          </a:p>
+          <a:p>
+            <a:pPr/>
+            <a:r>
+              <a:t>d</a:t>
+            </a:r>
+          </a:p>
+          <a:p>
+            <a:pPr/>
+            <a:r>
+              <a:t> </a:t>
+            </a:r>
+          </a:p>
+          <a:p>
+            <a:pPr/>
+            <a:r>
+              <a:t>p</a:t>
+            </a:r>
+          </a:p>
+          <a:p>
+            <a:pPr/>
+            <a:r>
+              <a:t>r</a:t>
+            </a:r>
+          </a:p>
+          <a:p>
+            <a:pPr/>
+            <a:r>
+              <a:t>e</a:t>
+            </a:r>
+          </a:p>
+          <a:p>
+            <a:pPr/>
+            <a:r>
+              <a:t>s</a:t>
+            </a:r>
+          </a:p>
+          <a:p>
+            <a:pPr/>
+            <a:r>
+              <a:t>e</a:t>
+            </a:r>
+          </a:p>
+          <a:p>
+            <a:pPr/>
+            <a:r>
+              <a:t>n</a:t>
+            </a:r>
+          </a:p>
+          <a:p>
+            <a:pPr/>
+            <a:r>
+              <a:t>t</a:t>
+            </a:r>
+          </a:p>
+          <a:p>
+            <a:pPr/>
+            <a:r>
+              <a:t>a</a:t>
+            </a:r>
+          </a:p>
+          <a:p>
+            <a:pPr/>
+            <a:r>
+              <a:t>t</a:t>
+            </a:r>
+          </a:p>
+          <a:p>
+            <a:pPr/>
+            <a:r>
+              <a:t>i</a:t>
+            </a:r>
+          </a:p>
+          <a:p>
+            <a:pPr/>
+            <a:r>
+              <a:t>o</a:t>
+            </a:r>
+          </a:p>
+          <a:p>
+            <a:pPr/>
+            <a:r>
+              <a:t>n</a:t>
+            </a:r>
+          </a:p>
+          <a:p>
+            <a:pPr/>
+            <a:r>
+              <a:t>.</a:t>
+            </a:r>
+          </a:p>
+        </p:txBody>
+      </p:sp>
+    </p:spTree>
+  </p:cSld>
+  <p:clrMapOvr>
+    <a:masterClrMapping/>
+  </p:clrMapOvr>
+</p:sld>
+</file>
+
+<file path=ppt/slides/slide6.xml><?xml version="1.0" encoding="utf-8"?>
+<p:sld xmlns:a="http://schemas.openxmlformats.org/drawingml/2006/main" xmlns:p="http://schemas.openxmlformats.org/presentationml/2006/main" xmlns:r="http://schemas.openxmlformats.org/officeDocument/2006/relationships">
+  <p:cSld>
+    <p:spTree>
+      <p:nvGrpSpPr>
+        <p:cNvPr id="1" name=""/>
+        <p:cNvGrpSpPr/>
+        <p:nvPr/>
+      </p:nvGrpSpPr>
+      <p:grpSpPr/>
+      <p:sp>
+        <p:nvSpPr>
+          <p:cNvPr id="2" name="Title 1"/>
+          <p:cNvSpPr>
+            <a:spLocks noGrp="1"/>
+          </p:cNvSpPr>
+          <p:nvPr>
+            <p:ph type="title"/>
+          </p:nvPr>
+        </p:nvSpPr>
+        <p:spPr/>
+        <p:txBody>
+          <a:bodyPr/>
+          <a:lstStyle/>
+          <a:p>
+            <a:r>
+              <a:t>Results</a:t>
+            </a:r>
+          </a:p>
+        </p:txBody>
+      </p:sp>
+      <p:sp>
+        <p:nvSpPr>
+          <p:cNvPr id="3" name="Content Placeholder 2"/>
+          <p:cNvSpPr>
+            <a:spLocks noGrp="1"/>
+          </p:cNvSpPr>
+          <p:nvPr>
+            <p:ph idx="1"/>
+          </p:nvPr>
+        </p:nvSpPr>
+        <p:spPr/>
+        <p:txBody>
+          <a:bodyPr/>
+          <a:lstStyle/>
+          <a:p>
+            <a:r>
+              <a:t>m</a:t>
+            </a:r>
+          </a:p>
+          <a:p>
+            <a:pPr/>
+            <a:r>
+              <a:t>y</a:t>
+            </a:r>
+          </a:p>
+          <a:p>
+            <a:pPr/>
+            <a:r>
+              <a:t> </a:t>
+            </a:r>
+          </a:p>
+          <a:p>
+            <a:pPr/>
+            <a:r>
+              <a:t>n</a:t>
+            </a:r>
+          </a:p>
+          <a:p>
+            <a:pPr/>
+            <a:r>
+              <a:t>a</a:t>
+            </a:r>
+          </a:p>
+          <a:p>
+            <a:pPr/>
+            <a:r>
+              <a:t>m</a:t>
+            </a:r>
+          </a:p>
+          <a:p>
+            <a:pPr/>
+            <a:r>
+              <a:t>e</a:t>
+            </a:r>
+          </a:p>
+          <a:p>
+            <a:pPr/>
+            <a:r>
+              <a:t> </a:t>
+            </a:r>
+          </a:p>
+          <a:p>
+            <a:pPr/>
+            <a:r>
+              <a:t>i</a:t>
+            </a:r>
+          </a:p>
+          <a:p>
+            <a:pPr/>
+            <a:r>
+              <a:t>s</a:t>
+            </a:r>
+          </a:p>
+          <a:p>
+            <a:pPr/>
+            <a:r>
+              <a:t> </a:t>
+            </a:r>
+          </a:p>
+          <a:p>
+            <a:pPr/>
+            <a:r>
+              <a:t>n</a:t>
+            </a:r>
+          </a:p>
+          <a:p>
+            <a:pPr/>
+            <a:r>
+              <a:t>e</a:t>
+            </a:r>
+          </a:p>
+          <a:p>
+            <a:pPr/>
+            <a:r>
+              <a:t>e</a:t>
+            </a:r>
+          </a:p>
+          <a:p>
+            <a:pPr/>
+            <a:r>
+              <a:t>l</a:t>
+            </a:r>
+          </a:p>
+          <a:p>
+            <a:pPr/>
+            <a:r>
+              <a:t>.</a:t>
+            </a:r>
+          </a:p>
+          <a:p>
+            <a:pPr/>
+            <a:r>
+              <a:t> </a:t>
+            </a:r>
+          </a:p>
+          <a:p>
+            <a:pPr/>
+            <a:r>
+              <a:t>i</a:t>
+            </a:r>
+          </a:p>
+          <a:p>
+            <a:pPr/>
+            <a:r>
+              <a:t> </a:t>
+            </a:r>
+          </a:p>
+          <a:p>
+            <a:pPr/>
+            <a:r>
+              <a:t>b</a:t>
+            </a:r>
+          </a:p>
+          <a:p>
+            <a:pPr/>
+            <a:r>
+              <a:t>u</a:t>
+            </a:r>
+          </a:p>
+          <a:p>
+            <a:pPr/>
+            <a:r>
+              <a:t>i</a:t>
+            </a:r>
+          </a:p>
+          <a:p>
+            <a:pPr/>
+            <a:r>
+              <a:t>l</a:t>
+            </a:r>
+          </a:p>
+          <a:p>
+            <a:pPr/>
+            <a:r>
+              <a:t>t</a:t>
+            </a:r>
+          </a:p>
+          <a:p>
+            <a:pPr/>
+            <a:r>
+              <a:t> </a:t>
+            </a:r>
+          </a:p>
+          <a:p>
+            <a:pPr/>
+            <a:r>
+              <a:t>p</a:t>
+            </a:r>
+          </a:p>
+          <a:p>
+            <a:pPr/>
+            <a:r>
+              <a:t>r</a:t>
+            </a:r>
+          </a:p>
+          <a:p>
+            <a:pPr/>
+            <a:r>
+              <a:t>e</a:t>
+            </a:r>
+          </a:p>
+          <a:p>
+            <a:pPr/>
+            <a:r>
+              <a:t>s</a:t>
+            </a:r>
+          </a:p>
+          <a:p>
+            <a:pPr/>
+            <a:r>
+              <a:t>e</a:t>
+            </a:r>
+          </a:p>
+          <a:p>
+            <a:pPr/>
+            <a:r>
+              <a:t>n</a:t>
+            </a:r>
+          </a:p>
+          <a:p>
+            <a:pPr/>
+            <a:r>
+              <a:t>t</a:t>
+            </a:r>
+          </a:p>
+          <a:p>
+            <a:pPr/>
+            <a:r>
+              <a:t>q</a:t>
+            </a:r>
+          </a:p>
+          <a:p>
+            <a:pPr/>
+            <a:r>
+              <a:t>u</a:t>
+            </a:r>
+          </a:p>
+          <a:p>
+            <a:pPr/>
+            <a:r>
+              <a:t>i</a:t>
+            </a:r>
+          </a:p>
+          <a:p>
+            <a:pPr/>
+            <a:r>
+              <a:t>c</a:t>
+            </a:r>
+          </a:p>
+          <a:p>
+            <a:pPr/>
+            <a:r>
+              <a:t>k</a:t>
+            </a:r>
+          </a:p>
+          <a:p>
+            <a:pPr/>
+            <a:r>
+              <a:t>.</a:t>
+            </a:r>
+          </a:p>
+          <a:p>
+            <a:pPr/>
+            <a:r>
+              <a:t> </a:t>
+            </a:r>
+          </a:p>
+          <a:p>
+            <a:pPr/>
+            <a:r>
+              <a:t>w</a:t>
+            </a:r>
+          </a:p>
+          <a:p>
+            <a:pPr/>
+            <a:r>
+              <a:t>h</a:t>
+            </a:r>
+          </a:p>
+          <a:p>
+            <a:pPr/>
+            <a:r>
+              <a:t>i</a:t>
+            </a:r>
+          </a:p>
+          <a:p>
+            <a:pPr/>
+            <a:r>
+              <a:t>c</a:t>
+            </a:r>
+          </a:p>
+          <a:p>
+            <a:pPr/>
+            <a:r>
+              <a:t>h</a:t>
+            </a:r>
+          </a:p>
+          <a:p>
+            <a:pPr/>
+            <a:r>
+              <a:t> </a:t>
+            </a:r>
+          </a:p>
+          <a:p>
+            <a:pPr/>
+            <a:r>
+              <a:t>i</a:t>
+            </a:r>
+          </a:p>
+          <a:p>
+            <a:pPr/>
+            <a:r>
+              <a:t>s</a:t>
+            </a:r>
+          </a:p>
+          <a:p>
+            <a:pPr/>
+            <a:r>
+              <a:t> </a:t>
+            </a:r>
+          </a:p>
+          <a:p>
+            <a:pPr/>
+            <a:r>
+              <a:t>a</a:t>
+            </a:r>
+          </a:p>
+          <a:p>
+            <a:pPr/>
+            <a:r>
+              <a:t> </a:t>
+            </a:r>
+          </a:p>
+          <a:p>
+            <a:pPr/>
+            <a:r>
+              <a:t>t</a:t>
+            </a:r>
+          </a:p>
+          <a:p>
+            <a:pPr/>
+            <a:r>
+              <a:t>o</a:t>
+            </a:r>
+          </a:p>
+          <a:p>
+            <a:pPr/>
+            <a:r>
+              <a:t>o</a:t>
+            </a:r>
+          </a:p>
+          <a:p>
+            <a:pPr/>
+            <a:r>
+              <a:t>l</a:t>
+            </a:r>
+          </a:p>
+          <a:p>
+            <a:pPr/>
+            <a:r>
+              <a:t> </a:t>
+            </a:r>
+          </a:p>
+          <a:p>
+            <a:pPr/>
+            <a:r>
+              <a:t>t</a:t>
+            </a:r>
+          </a:p>
+          <a:p>
+            <a:pPr/>
+            <a:r>
+              <a:t>h</a:t>
+            </a:r>
+          </a:p>
+          <a:p>
+            <a:pPr/>
+            <a:r>
+              <a:t>a</a:t>
+            </a:r>
+          </a:p>
+          <a:p>
+            <a:pPr/>
+            <a:r>
+              <a:t>t</a:t>
+            </a:r>
+          </a:p>
+          <a:p>
+            <a:pPr/>
+            <a:r>
+              <a:t> </a:t>
+            </a:r>
+          </a:p>
+          <a:p>
+            <a:pPr/>
+            <a:r>
+              <a:t>s</a:t>
+            </a:r>
+          </a:p>
+          <a:p>
+            <a:pPr/>
+            <a:r>
+              <a:t>u</a:t>
+            </a:r>
+          </a:p>
+          <a:p>
+            <a:pPr/>
+            <a:r>
+              <a:t>m</a:t>
+            </a:r>
+          </a:p>
+          <a:p>
+            <a:pPr/>
+            <a:r>
+              <a:t>m</a:t>
+            </a:r>
+          </a:p>
+          <a:p>
+            <a:pPr/>
+            <a:r>
+              <a:t>a</a:t>
+            </a:r>
+          </a:p>
+          <a:p>
+            <a:pPr/>
+            <a:r>
+              <a:t>r</a:t>
+            </a:r>
+          </a:p>
+          <a:p>
+            <a:pPr/>
+            <a:r>
+              <a:t>i</a:t>
+            </a:r>
+          </a:p>
+          <a:p>
+            <a:pPr/>
+            <a:r>
+              <a:t>z</a:t>
+            </a:r>
+          </a:p>
+          <a:p>
+            <a:pPr/>
+            <a:r>
+              <a:t>e</a:t>
+            </a:r>
+          </a:p>
+          <a:p>
+            <a:pPr/>
+            <a:r>
+              <a:t>s</a:t>
+            </a:r>
+          </a:p>
+          <a:p>
+            <a:pPr/>
+            <a:r>
+              <a:t> </a:t>
+            </a:r>
+          </a:p>
+          <a:p>
+            <a:pPr/>
+            <a:r>
+              <a:t>r</a:t>
+            </a:r>
+          </a:p>
+          <a:p>
+            <a:pPr/>
+            <a:r>
+              <a:t>e</a:t>
+            </a:r>
+          </a:p>
+          <a:p>
+            <a:pPr/>
+            <a:r>
+              <a:t>s</a:t>
+            </a:r>
+          </a:p>
+          <a:p>
+            <a:pPr/>
+            <a:r>
+              <a:t>e</a:t>
+            </a:r>
+          </a:p>
+          <a:p>
+            <a:pPr/>
+            <a:r>
+              <a:t>a</a:t>
+            </a:r>
+          </a:p>
+          <a:p>
+            <a:pPr/>
+            <a:r>
+              <a:t>r</a:t>
+            </a:r>
+          </a:p>
+          <a:p>
+            <a:pPr/>
+            <a:r>
+              <a:t>c</a:t>
+            </a:r>
+          </a:p>
+          <a:p>
+            <a:pPr/>
+            <a:r>
+              <a:t>h</a:t>
+            </a:r>
+          </a:p>
+          <a:p>
+            <a:pPr/>
+            <a:r>
+              <a:t>.</a:t>
+            </a:r>
+          </a:p>
+          <a:p>
+            <a:pPr/>
+            <a:r>
+              <a:t> </a:t>
+            </a:r>
+          </a:p>
+          <a:p>
+            <a:pPr/>
+            <a:r>
+              <a:t>i</a:t>
+            </a:r>
+          </a:p>
+          <a:p>
+            <a:pPr/>
+            <a:r>
+              <a:t>t</a:t>
+            </a:r>
+          </a:p>
+          <a:p>
+            <a:pPr/>
+            <a:r>
+              <a:t> </a:t>
+            </a:r>
+          </a:p>
+          <a:p>
+            <a:pPr/>
+            <a:r>
+              <a:t>a</a:t>
+            </a:r>
+          </a:p>
+          <a:p>
+            <a:pPr/>
+            <a:r>
+              <a:t>l</a:t>
+            </a:r>
+          </a:p>
+          <a:p>
+            <a:pPr/>
+            <a:r>
+              <a:t>s</a:t>
+            </a:r>
+          </a:p>
+          <a:p>
+            <a:pPr/>
+            <a:r>
+              <a:t>o</a:t>
+            </a:r>
+          </a:p>
+          <a:p>
+            <a:pPr/>
+            <a:r>
+              <a:t> </a:t>
+            </a:r>
+          </a:p>
+          <a:p>
+            <a:pPr/>
+            <a:r>
+              <a:t>c</a:t>
+            </a:r>
+          </a:p>
+          <a:p>
+            <a:pPr/>
+            <a:r>
+              <a:t>r</a:t>
+            </a:r>
+          </a:p>
+          <a:p>
+            <a:pPr/>
+            <a:r>
+              <a:t>e</a:t>
+            </a:r>
+          </a:p>
+          <a:p>
+            <a:pPr/>
+            <a:r>
+              <a:t>a</a:t>
+            </a:r>
+          </a:p>
+          <a:p>
+            <a:pPr/>
+            <a:r>
+              <a:t>t</a:t>
+            </a:r>
+          </a:p>
+          <a:p>
+            <a:pPr/>
+            <a:r>
+              <a:t>e</a:t>
+            </a:r>
+          </a:p>
+          <a:p>
+            <a:pPr/>
+            <a:r>
+              <a:t>s</a:t>
+            </a:r>
+          </a:p>
+          <a:p>
+            <a:pPr/>
+            <a:r>
+              <a:t> </a:t>
+            </a:r>
+          </a:p>
+          <a:p>
+            <a:pPr/>
+            <a:r>
+              <a:t>a</a:t>
+            </a:r>
+          </a:p>
+          <a:p>
+            <a:pPr/>
+            <a:r>
+              <a:t>n</a:t>
+            </a:r>
+          </a:p>
+          <a:p>
+            <a:pPr/>
+            <a:r>
+              <a:t> </a:t>
+            </a:r>
+          </a:p>
+          <a:p>
+            <a:pPr/>
+            <a:r>
+              <a:t>a</a:t>
+            </a:r>
+          </a:p>
+          <a:p>
+            <a:pPr/>
+            <a:r>
+              <a:t>u</a:t>
+            </a:r>
+          </a:p>
+          <a:p>
+            <a:pPr/>
+            <a:r>
+              <a:t>t</a:t>
+            </a:r>
+          </a:p>
+          <a:p>
+            <a:pPr/>
+            <a:r>
+              <a:t>o</a:t>
+            </a:r>
+          </a:p>
+          <a:p>
+            <a:pPr/>
+            <a:r>
+              <a:t>m</a:t>
+            </a:r>
+          </a:p>
+          <a:p>
+            <a:pPr/>
+            <a:r>
+              <a:t>a</a:t>
+            </a:r>
+          </a:p>
+          <a:p>
+            <a:pPr/>
+            <a:r>
+              <a:t>t</a:t>
+            </a:r>
+          </a:p>
+          <a:p>
+            <a:pPr/>
+            <a:r>
+              <a:t>e</a:t>
+            </a:r>
+          </a:p>
+          <a:p>
+            <a:pPr/>
+            <a:r>
+              <a:t>d</a:t>
+            </a:r>
+          </a:p>
+          <a:p>
+            <a:pPr/>
+            <a:r>
+              <a:t> </a:t>
+            </a:r>
+          </a:p>
+          <a:p>
+            <a:pPr/>
+            <a:r>
+              <a:t>p</a:t>
+            </a:r>
+          </a:p>
+          <a:p>
+            <a:pPr/>
+            <a:r>
+              <a:t>r</a:t>
+            </a:r>
+          </a:p>
+          <a:p>
+            <a:pPr/>
+            <a:r>
+              <a:t>e</a:t>
+            </a:r>
+          </a:p>
+          <a:p>
+            <a:pPr/>
+            <a:r>
+              <a:t>s</a:t>
+            </a:r>
+          </a:p>
+          <a:p>
+            <a:pPr/>
+            <a:r>
+              <a:t>e</a:t>
+            </a:r>
+          </a:p>
+          <a:p>
+            <a:pPr/>
+            <a:r>
+              <a:t>n</a:t>
+            </a:r>
+          </a:p>
+          <a:p>
+            <a:pPr/>
+            <a:r>
+              <a:t>t</a:t>
+            </a:r>
+          </a:p>
+          <a:p>
+            <a:pPr/>
+            <a:r>
+              <a:t>a</a:t>
+            </a:r>
+          </a:p>
+          <a:p>
+            <a:pPr/>
+            <a:r>
+              <a:t>t</a:t>
+            </a:r>
+          </a:p>
+          <a:p>
+            <a:pPr/>
+            <a:r>
+              <a:t>i</a:t>
+            </a:r>
+          </a:p>
+          <a:p>
+            <a:pPr/>
+            <a:r>
+              <a:t>o</a:t>
+            </a:r>
+          </a:p>
+          <a:p>
+            <a:pPr/>
+            <a:r>
+              <a:t>n</a:t>
+            </a:r>
+          </a:p>
+          <a:p>
+            <a:pPr/>
+            <a:r>
+              <a:t>.</a:t>
+            </a:r>
+          </a:p>
+        </p:txBody>
+      </p:sp>
+    </p:spTree>
+  </p:cSld>
+  <p:clrMapOvr>
+    <a:masterClrMapping/>
+  </p:clrMapOvr>
+</p:sld>
+</file>
+
+<file path=ppt/slides/slide7.xml><?xml version="1.0" encoding="utf-8"?>
+<p:sld xmlns:a="http://schemas.openxmlformats.org/drawingml/2006/main" xmlns:p="http://schemas.openxmlformats.org/presentationml/2006/main" xmlns:r="http://schemas.openxmlformats.org/officeDocument/2006/relationships">
+  <p:cSld>
+    <p:spTree>
+      <p:nvGrpSpPr>
+        <p:cNvPr id="1" name=""/>
+        <p:cNvGrpSpPr/>
+        <p:nvPr/>
+      </p:nvGrpSpPr>
+      <p:grpSpPr/>
+      <p:sp>
+        <p:nvSpPr>
+          <p:cNvPr id="2" name="Title 1"/>
+          <p:cNvSpPr>
+            <a:spLocks noGrp="1"/>
+          </p:cNvSpPr>
+          <p:nvPr>
+            <p:ph type="title"/>
+          </p:nvPr>
+        </p:nvSpPr>
+        <p:spPr/>
+        <p:txBody>
+          <a:bodyPr/>
+          <a:lstStyle/>
+          <a:p>
+            <a:r>
+              <a:t>Conclusion</a:t>
+            </a:r>
+          </a:p>
+        </p:txBody>
+      </p:sp>
+      <p:sp>
+        <p:nvSpPr>
+          <p:cNvPr id="3" name="Content Placeholder 2"/>
+          <p:cNvSpPr>
+            <a:spLocks noGrp="1"/>
+          </p:cNvSpPr>
+          <p:nvPr>
+            <p:ph idx="1"/>
+          </p:nvPr>
+        </p:nvSpPr>
+        <p:spPr/>
+        <p:txBody>
+          <a:bodyPr/>
+          <a:lstStyle/>
+          <a:p>
+            <a:r>
+              <a:t>m</a:t>
+            </a:r>
+          </a:p>
+          <a:p>
+            <a:pPr/>
+            <a:r>
+              <a:t>y</a:t>
+            </a:r>
+          </a:p>
+          <a:p>
+            <a:pPr/>
+            <a:r>
+              <a:t> </a:t>
+            </a:r>
+          </a:p>
+          <a:p>
+            <a:pPr/>
+            <a:r>
+              <a:t>n</a:t>
+            </a:r>
+          </a:p>
+          <a:p>
+            <a:pPr/>
+            <a:r>
+              <a:t>a</a:t>
+            </a:r>
+          </a:p>
+          <a:p>
+            <a:pPr/>
+            <a:r>
+              <a:t>m</a:t>
+            </a:r>
+          </a:p>
+          <a:p>
+            <a:pPr/>
+            <a:r>
+              <a:t>e</a:t>
+            </a:r>
+          </a:p>
+          <a:p>
+            <a:pPr/>
+            <a:r>
+              <a:t> </a:t>
+            </a:r>
+          </a:p>
+          <a:p>
+            <a:pPr/>
+            <a:r>
+              <a:t>i</a:t>
+            </a:r>
+          </a:p>
+          <a:p>
+            <a:pPr/>
+            <a:r>
+              <a:t>s</a:t>
+            </a:r>
+          </a:p>
+          <a:p>
+            <a:pPr/>
+            <a:r>
+              <a:t> </a:t>
+            </a:r>
+          </a:p>
+          <a:p>
+            <a:pPr/>
+            <a:r>
+              <a:t>n</a:t>
+            </a:r>
+          </a:p>
+          <a:p>
+            <a:pPr/>
+            <a:r>
+              <a:t>e</a:t>
+            </a:r>
+          </a:p>
+          <a:p>
+            <a:pPr/>
+            <a:r>
+              <a:t>e</a:t>
+            </a:r>
+          </a:p>
+          <a:p>
+            <a:pPr/>
+            <a:r>
+              <a:t>l</a:t>
+            </a:r>
+          </a:p>
+          <a:p>
+            <a:pPr/>
+            <a:r>
+              <a:t>.</a:t>
+            </a:r>
+          </a:p>
+          <a:p>
+            <a:pPr/>
+            <a:r>
+              <a:t> </a:t>
+            </a:r>
+          </a:p>
+          <a:p>
+            <a:pPr/>
+            <a:r>
+              <a:t>i</a:t>
+            </a:r>
+          </a:p>
+          <a:p>
+            <a:pPr/>
+            <a:r>
+              <a:t> </a:t>
+            </a:r>
+          </a:p>
+          <a:p>
+            <a:pPr/>
+            <a:r>
+              <a:t>b</a:t>
+            </a:r>
+          </a:p>
+          <a:p>
+            <a:pPr/>
+            <a:r>
+              <a:t>u</a:t>
+            </a:r>
+          </a:p>
+          <a:p>
+            <a:pPr/>
+            <a:r>
+              <a:t>i</a:t>
+            </a:r>
+          </a:p>
+          <a:p>
+            <a:pPr/>
+            <a:r>
+              <a:t>l</a:t>
+            </a:r>
+          </a:p>
+          <a:p>
+            <a:pPr/>
+            <a:r>
+              <a:t>t</a:t>
+            </a:r>
+          </a:p>
+          <a:p>
+            <a:pPr/>
+            <a:r>
+              <a:t> </a:t>
+            </a:r>
+          </a:p>
+          <a:p>
+            <a:pPr/>
+            <a:r>
+              <a:t>p</a:t>
+            </a:r>
+          </a:p>
+          <a:p>
+            <a:pPr/>
+            <a:r>
+              <a:t>r</a:t>
+            </a:r>
+          </a:p>
+          <a:p>
+            <a:pPr/>
+            <a:r>
+              <a:t>e</a:t>
+            </a:r>
+          </a:p>
+          <a:p>
+            <a:pPr/>
+            <a:r>
+              <a:t>s</a:t>
+            </a:r>
+          </a:p>
+          <a:p>
+            <a:pPr/>
+            <a:r>
+              <a:t>e</a:t>
+            </a:r>
+          </a:p>
+          <a:p>
+            <a:pPr/>
+            <a:r>
+              <a:t>n</a:t>
+            </a:r>
+          </a:p>
+          <a:p>
+            <a:pPr/>
+            <a:r>
+              <a:t>t</a:t>
+            </a:r>
+          </a:p>
+          <a:p>
+            <a:pPr/>
+            <a:r>
+              <a:t>q</a:t>
+            </a:r>
+          </a:p>
+          <a:p>
+            <a:pPr/>
+            <a:r>
+              <a:t>u</a:t>
+            </a:r>
+          </a:p>
+          <a:p>
+            <a:pPr/>
+            <a:r>
+              <a:t>i</a:t>
+            </a:r>
+          </a:p>
+          <a:p>
+            <a:pPr/>
+            <a:r>
+              <a:t>c</a:t>
+            </a:r>
+          </a:p>
+          <a:p>
+            <a:pPr/>
+            <a:r>
+              <a:t>k</a:t>
+            </a:r>
+          </a:p>
+          <a:p>
+            <a:pPr/>
+            <a:r>
+              <a:t>.</a:t>
+            </a:r>
+          </a:p>
+          <a:p>
+            <a:pPr/>
+            <a:r>
+              <a:t> </a:t>
+            </a:r>
+          </a:p>
+          <a:p>
+            <a:pPr/>
+            <a:r>
+              <a:t>w</a:t>
+            </a:r>
+          </a:p>
+          <a:p>
+            <a:pPr/>
+            <a:r>
+              <a:t>h</a:t>
+            </a:r>
+          </a:p>
+          <a:p>
+            <a:pPr/>
+            <a:r>
+              <a:t>i</a:t>
+            </a:r>
+          </a:p>
+          <a:p>
+            <a:pPr/>
+            <a:r>
+              <a:t>c</a:t>
+            </a:r>
+          </a:p>
+          <a:p>
+            <a:pPr/>
+            <a:r>
+              <a:t>h</a:t>
+            </a:r>
+          </a:p>
+          <a:p>
+            <a:pPr/>
+            <a:r>
+              <a:t> </a:t>
+            </a:r>
+          </a:p>
+          <a:p>
+            <a:pPr/>
+            <a:r>
+              <a:t>i</a:t>
+            </a:r>
+          </a:p>
+          <a:p>
+            <a:pPr/>
+            <a:r>
+              <a:t>s</a:t>
+            </a:r>
+          </a:p>
+          <a:p>
+            <a:pPr/>
+            <a:r>
+              <a:t> </a:t>
+            </a:r>
+          </a:p>
+          <a:p>
+            <a:pPr/>
+            <a:r>
+              <a:t>a</a:t>
+            </a:r>
+          </a:p>
+          <a:p>
+            <a:pPr/>
+            <a:r>
+              <a:t> </a:t>
+            </a:r>
+          </a:p>
+          <a:p>
+            <a:pPr/>
+            <a:r>
+              <a:t>t</a:t>
+            </a:r>
+          </a:p>
+          <a:p>
+            <a:pPr/>
+            <a:r>
+              <a:t>o</a:t>
+            </a:r>
+          </a:p>
+          <a:p>
+            <a:pPr/>
+            <a:r>
+              <a:t>o</a:t>
+            </a:r>
+          </a:p>
+          <a:p>
+            <a:pPr/>
+            <a:r>
+              <a:t>l</a:t>
+            </a:r>
+          </a:p>
+          <a:p>
+            <a:pPr/>
+            <a:r>
+              <a:t> </a:t>
+            </a:r>
+          </a:p>
+          <a:p>
+            <a:pPr/>
+            <a:r>
+              <a:t>t</a:t>
+            </a:r>
+          </a:p>
+          <a:p>
+            <a:pPr/>
+            <a:r>
+              <a:t>h</a:t>
+            </a:r>
+          </a:p>
+          <a:p>
+            <a:pPr/>
+            <a:r>
+              <a:t>a</a:t>
+            </a:r>
+          </a:p>
+          <a:p>
+            <a:pPr/>
+            <a:r>
+              <a:t>t</a:t>
+            </a:r>
+          </a:p>
+          <a:p>
+            <a:pPr/>
+            <a:r>
+              <a:t> </a:t>
+            </a:r>
+          </a:p>
+          <a:p>
+            <a:pPr/>
+            <a:r>
+              <a:t>s</a:t>
+            </a:r>
+          </a:p>
+          <a:p>
+            <a:pPr/>
+            <a:r>
+              <a:t>u</a:t>
+            </a:r>
+          </a:p>
+          <a:p>
+            <a:pPr/>
+            <a:r>
+              <a:t>m</a:t>
+            </a:r>
+          </a:p>
+          <a:p>
+            <a:pPr/>
+            <a:r>
+              <a:t>m</a:t>
+            </a:r>
+          </a:p>
+          <a:p>
+            <a:pPr/>
+            <a:r>
+              <a:t>a</a:t>
+            </a:r>
+          </a:p>
+          <a:p>
+            <a:pPr/>
+            <a:r>
+              <a:t>r</a:t>
+            </a:r>
+          </a:p>
+          <a:p>
+            <a:pPr/>
+            <a:r>
+              <a:t>i</a:t>
+            </a:r>
+          </a:p>
+          <a:p>
+            <a:pPr/>
+            <a:r>
+              <a:t>z</a:t>
+            </a:r>
+          </a:p>
+          <a:p>
+            <a:pPr/>
+            <a:r>
+              <a:t>e</a:t>
+            </a:r>
+          </a:p>
+          <a:p>
+            <a:pPr/>
+            <a:r>
+              <a:t>s</a:t>
+            </a:r>
+          </a:p>
+          <a:p>
+            <a:pPr/>
+            <a:r>
+              <a:t> </a:t>
+            </a:r>
+          </a:p>
+          <a:p>
+            <a:pPr/>
+            <a:r>
+              <a:t>r</a:t>
+            </a:r>
+          </a:p>
+          <a:p>
+            <a:pPr/>
+            <a:r>
+              <a:t>e</a:t>
+            </a:r>
+          </a:p>
+          <a:p>
+            <a:pPr/>
+            <a:r>
+              <a:t>s</a:t>
+            </a:r>
+          </a:p>
+          <a:p>
+            <a:pPr/>
+            <a:r>
+              <a:t>e</a:t>
+            </a:r>
+          </a:p>
+          <a:p>
+            <a:pPr/>
+            <a:r>
+              <a:t>a</a:t>
+            </a:r>
+          </a:p>
+          <a:p>
+            <a:pPr/>
+            <a:r>
+              <a:t>r</a:t>
+            </a:r>
+          </a:p>
+          <a:p>
+            <a:pPr/>
+            <a:r>
+              <a:t>c</a:t>
+            </a:r>
+          </a:p>
+          <a:p>
+            <a:pPr/>
+            <a:r>
+              <a:t>h</a:t>
+            </a:r>
+          </a:p>
+          <a:p>
+            <a:pPr/>
+            <a:r>
+              <a:t>.</a:t>
+            </a:r>
+          </a:p>
+          <a:p>
+            <a:pPr/>
+            <a:r>
+              <a:t> </a:t>
+            </a:r>
+          </a:p>
+          <a:p>
+            <a:pPr/>
+            <a:r>
+              <a:t>i</a:t>
+            </a:r>
+          </a:p>
+          <a:p>
+            <a:pPr/>
+            <a:r>
+              <a:t>t</a:t>
+            </a:r>
+          </a:p>
+          <a:p>
+            <a:pPr/>
+            <a:r>
+              <a:t> </a:t>
+            </a:r>
+          </a:p>
+          <a:p>
+            <a:pPr/>
+            <a:r>
+              <a:t>a</a:t>
+            </a:r>
+          </a:p>
+          <a:p>
+            <a:pPr/>
+            <a:r>
+              <a:t>l</a:t>
+            </a:r>
+          </a:p>
+          <a:p>
+            <a:pPr/>
+            <a:r>
+              <a:t>s</a:t>
+            </a:r>
+          </a:p>
+          <a:p>
+            <a:pPr/>
+            <a:r>
+              <a:t>o</a:t>
+            </a:r>
+          </a:p>
+          <a:p>
+            <a:pPr/>
+            <a:r>
+              <a:t> </a:t>
+            </a:r>
+          </a:p>
+          <a:p>
+            <a:pPr/>
+            <a:r>
+              <a:t>c</a:t>
+            </a:r>
+          </a:p>
+          <a:p>
+            <a:pPr/>
+            <a:r>
+              <a:t>r</a:t>
+            </a:r>
+          </a:p>
+          <a:p>
+            <a:pPr/>
+            <a:r>
+              <a:t>e</a:t>
+            </a:r>
+          </a:p>
+          <a:p>
+            <a:pPr/>
+            <a:r>
+              <a:t>a</a:t>
+            </a:r>
+          </a:p>
+          <a:p>
+            <a:pPr/>
+            <a:r>
+              <a:t>t</a:t>
+            </a:r>
+          </a:p>
+          <a:p>
+            <a:pPr/>
+            <a:r>
+              <a:t>e</a:t>
+            </a:r>
+          </a:p>
+          <a:p>
+            <a:pPr/>
+            <a:r>
+              <a:t>s</a:t>
+            </a:r>
+          </a:p>
+          <a:p>
+            <a:pPr/>
+            <a:r>
+              <a:t> </a:t>
+            </a:r>
+          </a:p>
+          <a:p>
+            <a:pPr/>
+            <a:r>
+              <a:t>a</a:t>
+            </a:r>
+          </a:p>
+          <a:p>
+            <a:pPr/>
+            <a:r>
+              <a:t>n</a:t>
+            </a:r>
+          </a:p>
+          <a:p>
+            <a:pPr/>
+            <a:r>
+              <a:t> </a:t>
+            </a:r>
+          </a:p>
+          <a:p>
+            <a:pPr/>
+            <a:r>
+              <a:t>a</a:t>
+            </a:r>
+          </a:p>
+          <a:p>
+            <a:pPr/>
+            <a:r>
+              <a:t>u</a:t>
+            </a:r>
+          </a:p>
+          <a:p>
+            <a:pPr/>
+            <a:r>
+              <a:t>t</a:t>
+            </a:r>
+          </a:p>
+          <a:p>
+            <a:pPr/>
+            <a:r>
+              <a:t>o</a:t>
+            </a:r>
+          </a:p>
+          <a:p>
+            <a:pPr/>
+            <a:r>
+              <a:t>m</a:t>
+            </a:r>
+          </a:p>
+          <a:p>
+            <a:pPr/>
+            <a:r>
+              <a:t>a</a:t>
+            </a:r>
+          </a:p>
+          <a:p>
+            <a:pPr/>
+            <a:r>
+              <a:t>t</a:t>
+            </a:r>
+          </a:p>
+          <a:p>
+            <a:pPr/>
+            <a:r>
+              <a:t>e</a:t>
+            </a:r>
+          </a:p>
+          <a:p>
+            <a:pPr/>
+            <a:r>
+              <a:t>d</a:t>
+            </a:r>
+          </a:p>
+          <a:p>
+            <a:pPr/>
+            <a:r>
+              <a:t> </a:t>
+            </a:r>
+          </a:p>
+          <a:p>
+            <a:pPr/>
+            <a:r>
+              <a:t>p</a:t>
+            </a:r>
+          </a:p>
+          <a:p>
+            <a:pPr/>
+            <a:r>
+              <a:t>r</a:t>
+            </a:r>
+          </a:p>
+          <a:p>
+            <a:pPr/>
+            <a:r>
+              <a:t>e</a:t>
+            </a:r>
+          </a:p>
+          <a:p>
+            <a:pPr/>
+            <a:r>
+              <a:t>s</a:t>
+            </a:r>
+          </a:p>
+          <a:p>
+            <a:pPr/>
+            <a:r>
+              <a:t>e</a:t>
+            </a:r>
+          </a:p>
+          <a:p>
+            <a:pPr/>
+            <a:r>
+              <a:t>n</a:t>
+            </a:r>
+          </a:p>
+          <a:p>
+            <a:pPr/>
+            <a:r>
+              <a:t>t</a:t>
+            </a:r>
+          </a:p>
+          <a:p>
+            <a:pPr/>
+            <a:r>
+              <a:t>a</a:t>
+            </a:r>
+          </a:p>
+          <a:p>
+            <a:pPr/>
+            <a:r>
+              <a:t>t</a:t>
+            </a:r>
+          </a:p>
+          <a:p>
+            <a:pPr/>
+            <a:r>
+              <a:t>i</a:t>
+            </a:r>
+          </a:p>
+          <a:p>
+            <a:pPr/>
+            <a:r>
+              <a:t>o</a:t>
+            </a:r>
+          </a:p>
+          <a:p>
+            <a:pPr/>
+            <a:r>
+              <a:t>n</a:t>
+            </a:r>
+          </a:p>
+          <a:p>
+            <a:pPr/>
+            <a:r>
+              <a:t>.</a:t>
+            </a:r>
+          </a:p>
+        </p:txBody>
+      </p:sp>
+    </p:spTree>
+  </p:cSld>
+  <p:clrMapOvr>
+    <a:masterClrMapping/>
+  </p:clrMapOvr>
+</p:sld>
+</file>
+
+<file path=ppt/slides/slide8.xml><?xml version="1.0" encoding="utf-8"?>
+<p:sld xmlns:a="http://schemas.openxmlformats.org/drawingml/2006/main" xmlns:p="http://schemas.openxmlformats.org/presentationml/2006/main" xmlns:r="http://schemas.openxmlformats.org/officeDocument/2006/relationships">
+  <p:cSld>
+    <p:spTree>
+      <p:nvGrpSpPr>
+        <p:cNvPr id="1" name=""/>
+        <p:cNvGrpSpPr/>
+        <p:nvPr/>
+      </p:nvGrpSpPr>
+      <p:grpSpPr/>
+      <p:sp>
+        <p:nvSpPr>
+          <p:cNvPr id="2" name="Title 1"/>
+          <p:cNvSpPr>
+            <a:spLocks noGrp="1"/>
+          </p:cNvSpPr>
+          <p:nvPr>
+            <p:ph type="title"/>
+          </p:nvPr>
+        </p:nvSpPr>
+        <p:spPr/>
+        <p:txBody>
+          <a:bodyPr/>
+          <a:lstStyle/>
+          <a:p>
+            <a:r>
+              <a:t>Acknowledgements</a:t>
+            </a:r>
+          </a:p>
+        </p:txBody>
+      </p:sp>
+      <p:sp>
+        <p:nvSpPr>
+          <p:cNvPr id="3" name="Content Placeholder 2"/>
+          <p:cNvSpPr>
+            <a:spLocks noGrp="1"/>
+          </p:cNvSpPr>
+          <p:nvPr>
+            <p:ph idx="1"/>
+          </p:nvPr>
+        </p:nvSpPr>
+        <p:spPr/>
+        <p:txBody>
+          <a:bodyPr/>
+          <a:lstStyle/>
+          <a:p>
+            <a:r>
+              <a:t>my name is neel. i built presentquick. which is a tool that summarizes research. it also creates an automated presentation.</a:t>
+            </a:r>
+          </a:p>
+        </p:txBody>
+      </p:sp>
+    </p:spTree>
+  </p:cSld>
+  <p:clrMapOvr>
+    <a:masterClrMapping/>
+  </p:clrMapOvr>
+</p:sld>
+</file>
+
+<file path=ppt/slides/slide9.xml><?xml version="1.0" encoding="utf-8"?>
+<p:sld xmlns:a="http://schemas.openxmlformats.org/drawingml/2006/main" xmlns:p="http://schemas.openxmlformats.org/presentationml/2006/main" xmlns:r="http://schemas.openxmlformats.org/officeDocument/2006/relationships">
+  <p:cSld>
+    <p:spTree>
+      <p:nvGrpSpPr>
+        <p:cNvPr id="1" name=""/>
+        <p:cNvGrpSpPr/>
+        <p:nvPr/>
+      </p:nvGrpSpPr>
+      <p:grpSpPr/>
+      <p:sp>
+        <p:nvSpPr>
+          <p:cNvPr id="2" name="Title 1"/>
+          <p:cNvSpPr>
+            <a:spLocks noGrp="1"/>
+          </p:cNvSpPr>
+          <p:nvPr>
+            <p:ph type="title"/>
+          </p:nvPr>
+        </p:nvSpPr>
+        <p:spPr/>
+        <p:txBody>
+          <a:bodyPr/>
+          <a:lstStyle/>
+          <a:p>
+            <a:r>
+              <a:t>Citations</a:t>
+            </a:r>
+          </a:p>
+        </p:txBody>
+      </p:sp>
+      <p:sp>
+        <p:nvSpPr>
+          <p:cNvPr id="3" name="Content Placeholder 2"/>
+          <p:cNvSpPr>
+            <a:spLocks noGrp="1"/>
+          </p:cNvSpPr>
+          <p:nvPr>
+            <p:ph idx="1"/>
+          </p:nvPr>
+        </p:nvSpPr>
+        <p:spPr/>
+        <p:txBody>
+          <a:bodyPr/>
+          <a:lstStyle/>
+          <a:p>
+            <a:r>
+              <a:t>my name is neel. i built presentquick. which is a tool that summarizes research. it also creates an automated presentation.</a:t>
             </a:r>
           </a:p>
         </p:txBody>
